--- a/Design/UI 기획서.pptx
+++ b/Design/UI 기획서.pptx
@@ -6109,8 +6109,8 @@
         </p:nvSpPr>
         <p:spPr>
           <a:xfrm>
-            <a:off x="6608548" y="2445540"/>
-            <a:ext cx="2108760" cy="2308324"/>
+            <a:off x="6608548" y="1876382"/>
+            <a:ext cx="2108760" cy="3000821"/>
           </a:xfrm>
           <a:prstGeom prst="rect">
             <a:avLst/>
@@ -6125,16 +6125,54 @@
           <a:p>
             <a:r>
               <a:rPr lang="en-US" altLang="ko-KR" sz="900" dirty="0"/>
-              <a:t>3. </a:t>
+              <a:t>6. </a:t>
+            </a:r>
+            <a:r>
+              <a:rPr lang="ko-KR" altLang="en-US" sz="900" dirty="0"/>
+              <a:t>오브젝트 정보</a:t>
+            </a:r>
+            <a:endParaRPr lang="en-US" altLang="ko-KR" sz="900" dirty="0"/>
+          </a:p>
+          <a:p>
+            <a:endParaRPr lang="en-US" altLang="ko-KR" sz="900" dirty="0"/>
+          </a:p>
+          <a:p>
+            <a:r>
+              <a:rPr lang="en-US" altLang="ko-KR" sz="900" dirty="0"/>
+              <a:t>- </a:t>
             </a:r>
             <a:r>
               <a:rPr lang="ko-KR" altLang="en-US" sz="900" dirty="0"/>
               <a:t>배치 타일</a:t>
             </a:r>
-            <a:endParaRPr lang="en-US" altLang="ko-KR" sz="900" dirty="0"/>
-          </a:p>
-          <a:p>
-            <a:endParaRPr lang="en-US" altLang="ko-KR" sz="900" dirty="0"/>
+            <a:r>
+              <a:rPr lang="en-US" altLang="ko-KR" sz="900" dirty="0"/>
+              <a:t>(</a:t>
+            </a:r>
+            <a:r>
+              <a:rPr lang="ko-KR" altLang="en-US" sz="900" b="1" dirty="0"/>
+              <a:t>타워</a:t>
+            </a:r>
+            <a:r>
+              <a:rPr lang="en-US" altLang="ko-KR" sz="900" dirty="0"/>
+              <a:t>)</a:t>
+            </a:r>
+            <a:r>
+              <a:rPr lang="ko-KR" altLang="en-US" sz="900" dirty="0"/>
+              <a:t> 혹은 </a:t>
+            </a:r>
+            <a:r>
+              <a:rPr lang="ko-KR" altLang="en-US" sz="900" b="1" dirty="0"/>
+              <a:t>영웅</a:t>
+            </a:r>
+            <a:r>
+              <a:rPr lang="ko-KR" altLang="en-US" sz="900" dirty="0"/>
+              <a:t> 터치 시 표시되는 박스 형태의 인디케이터 </a:t>
+            </a:r>
+            <a:r>
+              <a:rPr lang="en-US" altLang="ko-KR" sz="900" dirty="0"/>
+              <a:t>UI</a:t>
+            </a:r>
           </a:p>
           <a:p>
             <a:r>
@@ -6143,31 +6181,15 @@
             </a:r>
             <a:r>
               <a:rPr lang="ko-KR" altLang="en-US" sz="900" dirty="0"/>
-              <a:t>해당 </a:t>
+              <a:t>다만</a:t>
             </a:r>
             <a:r>
               <a:rPr lang="en-US" altLang="ko-KR" sz="900" dirty="0"/>
-              <a:t>UI </a:t>
+              <a:t>, </a:t>
             </a:r>
             <a:r>
               <a:rPr lang="ko-KR" altLang="en-US" sz="900" dirty="0"/>
-              <a:t>터치 시 하단</a:t>
-            </a:r>
-            <a:r>
-              <a:rPr lang="en-US" altLang="ko-KR" sz="900" dirty="0"/>
-              <a:t>UI</a:t>
-            </a:r>
-            <a:r>
-              <a:rPr lang="ko-KR" altLang="en-US" sz="900" dirty="0"/>
-              <a:t>바</a:t>
-            </a:r>
-            <a:r>
-              <a:rPr lang="en-US" altLang="ko-KR" sz="900" dirty="0"/>
-              <a:t>[7]</a:t>
-            </a:r>
-            <a:r>
-              <a:rPr lang="ko-KR" altLang="en-US" sz="900" dirty="0"/>
-              <a:t>에 전체 건물을 표시</a:t>
+              <a:t>해당 배치 타일에 이미 건설된 타워가 있는 경우에만 표시</a:t>
             </a:r>
             <a:endParaRPr lang="en-US" altLang="ko-KR" sz="900" dirty="0"/>
           </a:p>
@@ -6178,7 +6200,7 @@
             </a:r>
             <a:r>
               <a:rPr lang="ko-KR" altLang="en-US" sz="900" dirty="0"/>
-              <a:t>터치 시 선택된 오브젝트의 기본 </a:t>
+              <a:t>해당 타워의 기본 </a:t>
             </a:r>
             <a:r>
               <a:rPr lang="ko-KR" altLang="en-US" sz="900" dirty="0" err="1"/>
@@ -6186,116 +6208,174 @@
             </a:r>
             <a:r>
               <a:rPr lang="ko-KR" altLang="en-US" sz="900" dirty="0"/>
-              <a:t> 정보를 보여주는 박스 형태의 인디케이터 </a:t>
-            </a:r>
+              <a:t> 표시</a:t>
+            </a:r>
+            <a:endParaRPr lang="en-US" altLang="ko-KR" sz="900" dirty="0"/>
+          </a:p>
+          <a:p>
             <a:r>
               <a:rPr lang="en-US" altLang="ko-KR" sz="900" dirty="0"/>
-              <a:t>UI[6]</a:t>
-            </a:r>
-            <a:r>
-              <a:rPr lang="ko-KR" altLang="en-US" sz="900" dirty="0"/>
-              <a:t>를 띄움</a:t>
-            </a:r>
-            <a:endParaRPr lang="en-US" altLang="ko-KR" sz="900" dirty="0"/>
-          </a:p>
-          <a:p>
-            <a:endParaRPr lang="en-US" altLang="ko-KR" sz="900" dirty="0"/>
-          </a:p>
-          <a:p>
-            <a:r>
-              <a:rPr lang="en-US" altLang="ko-KR" sz="900" dirty="0"/>
-              <a:t>- </a:t>
-            </a:r>
-            <a:r>
-              <a:rPr lang="ko-KR" altLang="en-US" sz="900" dirty="0"/>
-              <a:t>해당 화면에서 배치되어 있는 영웅 및 타워 터치 시 정보 표시 </a:t>
-            </a:r>
-            <a:r>
-              <a:rPr lang="en-US" altLang="ko-KR" sz="900" dirty="0"/>
-              <a:t>UI[</a:t>
-            </a:r>
-            <a:r>
-              <a:rPr lang="en-US" altLang="ko-KR" sz="900" b="1" dirty="0"/>
-              <a:t>6</a:t>
-            </a:r>
-            <a:r>
-              <a:rPr lang="en-US" altLang="ko-KR" sz="900" dirty="0"/>
-              <a:t>] </a:t>
-            </a:r>
-            <a:r>
-              <a:rPr lang="ko-KR" altLang="en-US" sz="900" dirty="0"/>
-              <a:t>필요 정보 표시</a:t>
-            </a:r>
-            <a:r>
-              <a:rPr lang="en-US" altLang="ko-KR" sz="900" dirty="0"/>
-              <a:t>(</a:t>
-            </a:r>
-            <a:r>
-              <a:rPr lang="ko-KR" altLang="en-US" sz="900" dirty="0"/>
-              <a:t>공격력</a:t>
+              <a:t>*</a:t>
+            </a:r>
+            <a:r>
+              <a:rPr lang="en-US" altLang="ko-KR" sz="900" dirty="0" err="1"/>
+              <a:t>client_tower_status_info</a:t>
             </a:r>
             <a:r>
               <a:rPr lang="en-US" altLang="ko-KR" sz="900" dirty="0"/>
               <a:t>,</a:t>
             </a:r>
+          </a:p>
+          <a:p>
+            <a:r>
+              <a:rPr lang="en-US" altLang="ko-KR" sz="900" dirty="0"/>
+              <a:t> </a:t>
+            </a:r>
+            <a:r>
+              <a:rPr lang="en-US" altLang="ko-KR" sz="900" dirty="0" err="1"/>
+              <a:t>client_hero_info</a:t>
+            </a:r>
+            <a:r>
+              <a:rPr lang="en-US" altLang="ko-KR" sz="900" dirty="0"/>
+              <a:t> </a:t>
+            </a:r>
             <a:r>
               <a:rPr lang="ko-KR" altLang="en-US" sz="900" dirty="0"/>
-              <a:t>체력</a:t>
-            </a:r>
+              <a:t>테이블 참조</a:t>
+            </a:r>
+            <a:endParaRPr lang="en-US" altLang="ko-KR" sz="900" dirty="0"/>
+          </a:p>
+          <a:p>
+            <a:endParaRPr lang="en-US" altLang="ko-KR" sz="900" dirty="0"/>
+          </a:p>
+          <a:p>
             <a:r>
               <a:rPr lang="en-US" altLang="ko-KR" sz="900" dirty="0"/>
-              <a:t>,</a:t>
+              <a:t>-</a:t>
             </a:r>
             <a:r>
               <a:rPr lang="ko-KR" altLang="en-US" sz="900" dirty="0"/>
-              <a:t>방어력</a:t>
+              <a:t>타워 표시 </a:t>
+            </a:r>
+            <a:r>
+              <a:rPr lang="ko-KR" altLang="en-US" sz="900" dirty="0" err="1"/>
+              <a:t>스탯</a:t>
+            </a:r>
+            <a:r>
+              <a:rPr lang="ko-KR" altLang="en-US" sz="900" dirty="0"/>
+              <a:t> </a:t>
+            </a:r>
+            <a:r>
+              <a:rPr lang="en-US" altLang="ko-KR" sz="900" dirty="0"/>
+              <a:t>: NAME,LEVEL,</a:t>
+            </a:r>
+          </a:p>
+          <a:p>
+            <a:r>
+              <a:rPr lang="en-US" altLang="ko-KR" sz="900" dirty="0"/>
+              <a:t> Attack, Defend, Hp, </a:t>
+            </a:r>
+            <a:r>
+              <a:rPr lang="en-US" altLang="ko-KR" sz="900" dirty="0" err="1"/>
+              <a:t>AttackType</a:t>
+            </a:r>
+            <a:r>
+              <a:rPr lang="en-US" altLang="ko-KR" sz="900" dirty="0"/>
+              <a:t> </a:t>
+            </a:r>
+            <a:r>
+              <a:rPr lang="ko-KR" altLang="en-US" sz="900" dirty="0"/>
+              <a:t>컬럼 표시</a:t>
+            </a:r>
+            <a:endParaRPr lang="en-US" altLang="ko-KR" sz="900" dirty="0"/>
+          </a:p>
+          <a:p>
+            <a:r>
+              <a:rPr lang="ko-KR" altLang="en-US" sz="900" dirty="0"/>
+              <a:t>등급</a:t>
+            </a:r>
+            <a:r>
+              <a:rPr lang="en-US" altLang="ko-KR" sz="900" dirty="0"/>
+              <a:t>(Grade </a:t>
+            </a:r>
+            <a:r>
+              <a:rPr lang="ko-KR" altLang="en-US" sz="900" dirty="0"/>
+              <a:t>컬럼 값</a:t>
             </a:r>
             <a:r>
               <a:rPr lang="en-US" altLang="ko-KR" sz="900" dirty="0"/>
               <a:t>)</a:t>
             </a:r>
-          </a:p>
-          <a:p>
             <a:r>
               <a:rPr lang="ko-KR" altLang="en-US" sz="900" dirty="0"/>
-              <a:t>해당 </a:t>
-            </a:r>
+              <a:t>에 따라 다른 색상으로 오브젝트의 이름 표시</a:t>
+            </a:r>
+            <a:endParaRPr lang="en-US" altLang="ko-KR" sz="900" dirty="0"/>
+          </a:p>
+          <a:p>
             <a:r>
               <a:rPr lang="en-US" altLang="ko-KR" sz="900" dirty="0"/>
-              <a:t>UI</a:t>
+              <a:t>1: </a:t>
             </a:r>
             <a:r>
               <a:rPr lang="ko-KR" altLang="en-US" sz="900" dirty="0"/>
-              <a:t>는 하기 테이블 참조</a:t>
+              <a:t>흰색</a:t>
             </a:r>
             <a:endParaRPr lang="en-US" altLang="ko-KR" sz="900" dirty="0"/>
           </a:p>
           <a:p>
             <a:r>
-              <a:rPr lang="en-US" altLang="ko-KR" sz="900" b="1" dirty="0"/>
-              <a:t>*</a:t>
-            </a:r>
-            <a:r>
-              <a:rPr lang="en-US" altLang="ko-KR" sz="900" b="1" dirty="0" err="1"/>
-              <a:t>client_hero_info</a:t>
-            </a:r>
-            <a:endParaRPr lang="en-US" altLang="ko-KR" sz="900" b="1" dirty="0"/>
-          </a:p>
-          <a:p>
-            <a:r>
-              <a:rPr lang="en-US" altLang="ko-KR" sz="900" b="1" dirty="0"/>
-              <a:t>*</a:t>
-            </a:r>
-            <a:r>
-              <a:rPr lang="en-US" altLang="ko-KR" sz="900" b="1" dirty="0" err="1"/>
-              <a:t>client_building_info</a:t>
-            </a:r>
-            <a:endParaRPr lang="en-US" altLang="ko-KR" sz="900" b="1" dirty="0"/>
-          </a:p>
-          <a:p>
+              <a:rPr lang="en-US" altLang="ko-KR" sz="900" dirty="0"/>
+              <a:t>2: </a:t>
+            </a:r>
+            <a:r>
+              <a:rPr lang="ko-KR" altLang="en-US" sz="900" dirty="0"/>
+              <a:t>초록색</a:t>
+            </a:r>
             <a:endParaRPr lang="en-US" altLang="ko-KR" sz="900" dirty="0"/>
           </a:p>
           <a:p>
+            <a:r>
+              <a:rPr lang="en-US" altLang="ko-KR" sz="900" dirty="0"/>
+              <a:t>3: </a:t>
+            </a:r>
+            <a:r>
+              <a:rPr lang="ko-KR" altLang="en-US" sz="900" dirty="0"/>
+              <a:t>파란색</a:t>
+            </a:r>
+            <a:endParaRPr lang="en-US" altLang="ko-KR" sz="900" dirty="0"/>
+          </a:p>
+          <a:p>
+            <a:r>
+              <a:rPr lang="en-US" altLang="ko-KR" sz="900" dirty="0"/>
+              <a:t>4: </a:t>
+            </a:r>
+            <a:r>
+              <a:rPr lang="ko-KR" altLang="en-US" sz="900" dirty="0"/>
+              <a:t>보라색</a:t>
+            </a:r>
+            <a:endParaRPr lang="en-US" altLang="ko-KR" sz="900" dirty="0"/>
+          </a:p>
+          <a:p>
+            <a:r>
+              <a:rPr lang="en-US" altLang="ko-KR" sz="900" dirty="0"/>
+              <a:t>5: </a:t>
+            </a:r>
+            <a:r>
+              <a:rPr lang="ko-KR" altLang="en-US" sz="900" dirty="0"/>
+              <a:t>노란색</a:t>
+            </a:r>
+            <a:endParaRPr lang="en-US" altLang="ko-KR" sz="900" dirty="0"/>
+          </a:p>
+          <a:p>
+            <a:r>
+              <a:rPr lang="en-US" altLang="ko-KR" sz="900" dirty="0"/>
+              <a:t>6: </a:t>
+            </a:r>
+            <a:r>
+              <a:rPr lang="ko-KR" altLang="en-US" sz="900" dirty="0"/>
+              <a:t>자주색</a:t>
+            </a:r>
             <a:endParaRPr lang="en-US" altLang="ko-KR" sz="900" dirty="0"/>
           </a:p>
         </p:txBody>
@@ -8110,7 +8190,7 @@
         <p:spPr>
           <a:xfrm>
             <a:off x="6608548" y="2445540"/>
-            <a:ext cx="2108760" cy="2308324"/>
+            <a:ext cx="2108760" cy="2585323"/>
           </a:xfrm>
           <a:prstGeom prst="rect">
             <a:avLst/>
@@ -8125,13 +8205,16 @@
           <a:p>
             <a:r>
               <a:rPr lang="en-US" altLang="ko-KR" sz="900" dirty="0"/>
-              <a:t>3. </a:t>
+              <a:t>7. </a:t>
             </a:r>
             <a:r>
               <a:rPr lang="ko-KR" altLang="en-US" sz="900" dirty="0"/>
-              <a:t>배치 타일</a:t>
-            </a:r>
-            <a:endParaRPr lang="en-US" altLang="ko-KR" sz="900" dirty="0"/>
+              <a:t>타워 생산 </a:t>
+            </a:r>
+            <a:r>
+              <a:rPr lang="en-US" altLang="ko-KR" sz="900" dirty="0"/>
+              <a:t>UI</a:t>
+            </a:r>
           </a:p>
           <a:p>
             <a:endParaRPr lang="en-US" altLang="ko-KR" sz="900" dirty="0"/>
@@ -8143,15 +8226,18 @@
             </a:r>
             <a:r>
               <a:rPr lang="ko-KR" altLang="en-US" sz="900" dirty="0"/>
+              <a:t>배치 타일 터치 시 전체 타워 리스트 표시</a:t>
+            </a:r>
+            <a:endParaRPr lang="en-US" altLang="ko-KR" sz="900" dirty="0"/>
+          </a:p>
+          <a:p>
+            <a:r>
+              <a:rPr lang="en-US" altLang="ko-KR" sz="900" dirty="0"/>
+              <a:t>- </a:t>
+            </a:r>
+            <a:r>
+              <a:rPr lang="ko-KR" altLang="en-US" sz="900" dirty="0"/>
               <a:t>해당 </a:t>
-            </a:r>
-            <a:r>
-              <a:rPr lang="en-US" altLang="ko-KR" sz="900" dirty="0"/>
-              <a:t>UI </a:t>
-            </a:r>
-            <a:r>
-              <a:rPr lang="ko-KR" altLang="en-US" sz="900" dirty="0"/>
-              <a:t>터치 시 하단</a:t>
             </a:r>
             <a:r>
               <a:rPr lang="en-US" altLang="ko-KR" sz="900" dirty="0"/>
@@ -8159,17 +8245,83 @@
             </a:r>
             <a:r>
               <a:rPr lang="ko-KR" altLang="en-US" sz="900" dirty="0"/>
-              <a:t>바</a:t>
+              <a:t>에서 카테고리로 구분하여 각 카테고리 별 타워를 노출함</a:t>
+            </a:r>
+            <a:endParaRPr lang="en-US" altLang="ko-KR" sz="900" dirty="0"/>
+          </a:p>
+          <a:p>
+            <a:r>
+              <a:rPr lang="ko-KR" altLang="en-US" sz="900" dirty="0"/>
+              <a:t>영웅 카테고리</a:t>
             </a:r>
             <a:r>
               <a:rPr lang="en-US" altLang="ko-KR" sz="900" dirty="0"/>
-              <a:t>[7]</a:t>
+              <a:t>, </a:t>
             </a:r>
             <a:r>
               <a:rPr lang="ko-KR" altLang="en-US" sz="900" dirty="0"/>
-              <a:t>에 전체 건물을 표시</a:t>
+              <a:t> 카테고리 등</a:t>
             </a:r>
             <a:endParaRPr lang="en-US" altLang="ko-KR" sz="900" dirty="0"/>
+          </a:p>
+          <a:p>
+            <a:endParaRPr lang="en-US" altLang="ko-KR" sz="900" dirty="0"/>
+          </a:p>
+          <a:p>
+            <a:endParaRPr lang="en-US" altLang="ko-KR" sz="900" dirty="0"/>
+          </a:p>
+          <a:p>
+            <a:r>
+              <a:rPr lang="en-US" altLang="ko-KR" sz="900" dirty="0"/>
+              <a:t>*</a:t>
+            </a:r>
+            <a:r>
+              <a:rPr lang="en-US" altLang="ko-KR" sz="900" dirty="0" err="1"/>
+              <a:t>client_building_info</a:t>
+            </a:r>
+            <a:r>
+              <a:rPr lang="ko-KR" altLang="en-US" sz="900" dirty="0"/>
+              <a:t>의 </a:t>
+            </a:r>
+            <a:r>
+              <a:rPr lang="en-US" altLang="ko-KR" sz="900" dirty="0"/>
+              <a:t>!</a:t>
+            </a:r>
+            <a:r>
+              <a:rPr lang="en-US" altLang="ko-KR" sz="900" dirty="0" err="1"/>
+              <a:t>Tower_type</a:t>
+            </a:r>
+            <a:r>
+              <a:rPr lang="ko-KR" altLang="en-US" sz="900" dirty="0"/>
+              <a:t>의 </a:t>
+            </a:r>
+            <a:r>
+              <a:rPr lang="en-US" altLang="ko-KR" sz="900" dirty="0" err="1"/>
+              <a:t>Type_Kind</a:t>
+            </a:r>
+            <a:r>
+              <a:rPr lang="en-US" altLang="ko-KR" sz="900" dirty="0"/>
+              <a:t> </a:t>
+            </a:r>
+            <a:r>
+              <a:rPr lang="ko-KR" altLang="en-US" sz="900" dirty="0"/>
+              <a:t>참조하여 분류</a:t>
+            </a:r>
+            <a:endParaRPr lang="en-US" altLang="ko-KR" sz="900" dirty="0"/>
+          </a:p>
+          <a:p>
+            <a:r>
+              <a:rPr lang="en-US" altLang="ko-KR" sz="900" b="1" dirty="0"/>
+              <a:t>(</a:t>
+            </a:r>
+            <a:r>
+              <a:rPr lang="ko-KR" altLang="en-US" sz="900" b="1" dirty="0"/>
+              <a:t>세부 스펙은 이후 추가 예정</a:t>
+            </a:r>
+            <a:r>
+              <a:rPr lang="en-US" altLang="ko-KR" sz="900" b="1" dirty="0"/>
+              <a:t>)</a:t>
+            </a:r>
           </a:p>
           <a:p>
             <a:r>
@@ -8178,95 +8330,23 @@
             </a:r>
             <a:r>
               <a:rPr lang="ko-KR" altLang="en-US" sz="900" dirty="0"/>
-              <a:t>터치 시 선택된 오브젝트의 기본 </a:t>
+              <a:t>모든 타워를 표시하며</a:t>
+            </a:r>
+            <a:r>
+              <a:rPr lang="en-US" altLang="ko-KR" sz="900" dirty="0"/>
+              <a:t>, </a:t>
+            </a:r>
+            <a:r>
+              <a:rPr lang="ko-KR" altLang="en-US" sz="900" dirty="0"/>
+              <a:t>건설 불가능한 타워는 </a:t>
             </a:r>
             <a:r>
               <a:rPr lang="ko-KR" altLang="en-US" sz="900" dirty="0" err="1"/>
-              <a:t>스탯</a:t>
+              <a:t>딤드</a:t>
             </a:r>
             <a:r>
               <a:rPr lang="ko-KR" altLang="en-US" sz="900" dirty="0"/>
-              <a:t> 정보를 보여주는 박스 형태의 인디케이터 </a:t>
-            </a:r>
-            <a:r>
-              <a:rPr lang="en-US" altLang="ko-KR" sz="900" dirty="0"/>
-              <a:t>UI[6]</a:t>
-            </a:r>
-            <a:r>
-              <a:rPr lang="ko-KR" altLang="en-US" sz="900" dirty="0"/>
-              <a:t>를 띄움</a:t>
-            </a:r>
-            <a:endParaRPr lang="en-US" altLang="ko-KR" sz="900" dirty="0"/>
-          </a:p>
-          <a:p>
-            <a:endParaRPr lang="en-US" altLang="ko-KR" sz="900" dirty="0"/>
-          </a:p>
-          <a:p>
-            <a:r>
-              <a:rPr lang="en-US" altLang="ko-KR" sz="900" dirty="0"/>
-              <a:t>- </a:t>
-            </a:r>
-            <a:r>
-              <a:rPr lang="ko-KR" altLang="en-US" sz="900" dirty="0"/>
-              <a:t>해당 화면에서 배치되어 있는 영웅 및 타워 터치 시 정보 표시 </a:t>
-            </a:r>
-            <a:r>
-              <a:rPr lang="en-US" altLang="ko-KR" sz="900" dirty="0"/>
-              <a:t>UI[</a:t>
-            </a:r>
-            <a:r>
-              <a:rPr lang="en-US" altLang="ko-KR" sz="900" b="1" dirty="0"/>
-              <a:t>6</a:t>
-            </a:r>
-            <a:r>
-              <a:rPr lang="en-US" altLang="ko-KR" sz="900" dirty="0"/>
-              <a:t>] </a:t>
-            </a:r>
-            <a:r>
-              <a:rPr lang="ko-KR" altLang="en-US" sz="900" dirty="0"/>
-              <a:t>필요 정보 표시</a:t>
-            </a:r>
-            <a:r>
-              <a:rPr lang="en-US" altLang="ko-KR" sz="900" dirty="0"/>
-              <a:t>(</a:t>
-            </a:r>
-            <a:r>
-              <a:rPr lang="ko-KR" altLang="en-US" sz="900" dirty="0"/>
-              <a:t>공격력</a:t>
-            </a:r>
-            <a:r>
-              <a:rPr lang="en-US" altLang="ko-KR" sz="900" dirty="0"/>
-              <a:t>,</a:t>
-            </a:r>
-            <a:r>
-              <a:rPr lang="ko-KR" altLang="en-US" sz="900" dirty="0"/>
-              <a:t>체력</a:t>
-            </a:r>
-            <a:r>
-              <a:rPr lang="en-US" altLang="ko-KR" sz="900" dirty="0"/>
-              <a:t>,</a:t>
-            </a:r>
-            <a:r>
-              <a:rPr lang="ko-KR" altLang="en-US" sz="900" dirty="0"/>
-              <a:t>방어력</a:t>
-            </a:r>
-            <a:r>
-              <a:rPr lang="en-US" altLang="ko-KR" sz="900" dirty="0"/>
-              <a:t>)</a:t>
-            </a:r>
-          </a:p>
-          <a:p>
-            <a:r>
-              <a:rPr lang="ko-KR" altLang="en-US" sz="900" dirty="0"/>
-              <a:t>해당 </a:t>
-            </a:r>
-            <a:r>
-              <a:rPr lang="en-US" altLang="ko-KR" sz="900" dirty="0"/>
-              <a:t>UI</a:t>
-            </a:r>
-            <a:r>
-              <a:rPr lang="ko-KR" altLang="en-US" sz="900" dirty="0"/>
-              <a:t>는 하기 테이블 참조</a:t>
+              <a:t> 처리 및 선택 불가</a:t>
             </a:r>
             <a:endParaRPr lang="en-US" altLang="ko-KR" sz="900" dirty="0"/>
           </a:p>
@@ -8277,20 +8357,20 @@
             </a:r>
             <a:r>
               <a:rPr lang="en-US" altLang="ko-KR" sz="900" b="1" dirty="0" err="1"/>
-              <a:t>client_hero_info</a:t>
+              <a:t>client_building_info</a:t>
+            </a:r>
+            <a:r>
+              <a:rPr lang="en-US" altLang="ko-KR" sz="900" b="1" dirty="0"/>
+              <a:t> </a:t>
+            </a:r>
+            <a:r>
+              <a:rPr lang="ko-KR" altLang="en-US" sz="900" b="1" dirty="0"/>
+              <a:t>참조</a:t>
             </a:r>
             <a:endParaRPr lang="en-US" altLang="ko-KR" sz="900" b="1" dirty="0"/>
           </a:p>
           <a:p>
-            <a:r>
-              <a:rPr lang="en-US" altLang="ko-KR" sz="900" b="1" dirty="0"/>
-              <a:t>*</a:t>
-            </a:r>
-            <a:r>
-              <a:rPr lang="en-US" altLang="ko-KR" sz="900" b="1" dirty="0" err="1"/>
-              <a:t>client_building_info</a:t>
-            </a:r>
-            <a:endParaRPr lang="en-US" altLang="ko-KR" sz="900" b="1" dirty="0"/>
+            <a:endParaRPr lang="en-US" altLang="ko-KR" sz="900" dirty="0"/>
           </a:p>
           <a:p>
             <a:endParaRPr lang="en-US" altLang="ko-KR" sz="900" dirty="0"/>
@@ -14283,7 +14363,7 @@
         <p:spPr>
           <a:xfrm>
             <a:off x="6590720" y="2415714"/>
-            <a:ext cx="2108760" cy="1200329"/>
+            <a:ext cx="2108760" cy="2308324"/>
           </a:xfrm>
           <a:prstGeom prst="rect">
             <a:avLst/>
@@ -14357,6 +14437,74 @@
               <a:t>를 통해 타워 건설 가능</a:t>
             </a:r>
             <a:endParaRPr lang="en-US" altLang="ko-KR" sz="900" dirty="0"/>
+          </a:p>
+          <a:p>
+            <a:endParaRPr lang="en-US" altLang="ko-KR" sz="900" dirty="0"/>
+          </a:p>
+          <a:p>
+            <a:r>
+              <a:rPr lang="en-US" altLang="ko-KR" sz="900" dirty="0"/>
+              <a:t>- </a:t>
+            </a:r>
+            <a:r>
+              <a:rPr lang="ko-KR" altLang="en-US" sz="900" dirty="0"/>
+              <a:t>현재 건설</a:t>
+            </a:r>
+            <a:r>
+              <a:rPr lang="en-US" altLang="ko-KR" sz="900" dirty="0"/>
+              <a:t>/</a:t>
+            </a:r>
+            <a:r>
+              <a:rPr lang="ko-KR" altLang="en-US" sz="900" dirty="0"/>
+              <a:t>생산 되어있는 타워 및 영웅의 수와 최대로 건설</a:t>
+            </a:r>
+            <a:r>
+              <a:rPr lang="en-US" altLang="ko-KR" sz="900" dirty="0"/>
+              <a:t>/</a:t>
+            </a:r>
+            <a:r>
+              <a:rPr lang="ko-KR" altLang="en-US" sz="900" dirty="0"/>
+              <a:t>생산 가능한 타워 및 영웅의 수를 우측 상단에 표시</a:t>
+            </a:r>
+            <a:endParaRPr lang="en-US" altLang="ko-KR" sz="900" dirty="0"/>
+          </a:p>
+          <a:p>
+            <a:pPr marL="171450" indent="-171450">
+              <a:buFont typeface="Arial" panose="020B0604020202020204" pitchFamily="34" charset="0"/>
+              <a:buChar char="•"/>
+            </a:pPr>
+            <a:r>
+              <a:rPr lang="ko-KR" altLang="en-US" sz="900" b="1" dirty="0"/>
+              <a:t>타워 및 영웅 표기</a:t>
+            </a:r>
+            <a:r>
+              <a:rPr lang="ko-KR" altLang="en-US" sz="900" dirty="0"/>
+              <a:t>는 텍스트가 아닌 아이콘으로 표시</a:t>
+            </a:r>
+            <a:endParaRPr lang="en-US" altLang="ko-KR" sz="900" dirty="0"/>
+          </a:p>
+          <a:p>
+            <a:pPr marL="171450" indent="-171450">
+              <a:buFont typeface="Arial" panose="020B0604020202020204" pitchFamily="34" charset="0"/>
+              <a:buChar char="•"/>
+            </a:pPr>
+            <a:r>
+              <a:rPr lang="ko-KR" altLang="en-US" sz="900" b="1" dirty="0"/>
+              <a:t>해당 값은 </a:t>
+            </a:r>
+            <a:r>
+              <a:rPr lang="en-US" altLang="ko-KR" sz="900" b="1" dirty="0" err="1"/>
+              <a:t>client_stage_info</a:t>
+            </a:r>
+            <a:r>
+              <a:rPr lang="en-US" altLang="ko-KR" sz="900" b="1" dirty="0"/>
+              <a:t> </a:t>
+            </a:r>
+            <a:r>
+              <a:rPr lang="ko-KR" altLang="en-US" sz="900" b="1" dirty="0"/>
+              <a:t>참조</a:t>
+            </a:r>
+            <a:endParaRPr lang="en-US" altLang="ko-KR" sz="900" b="1" dirty="0"/>
           </a:p>
         </p:txBody>
       </p:sp>
@@ -15326,6 +15474,76 @@
           </p:pic>
         </p:grpSp>
       </p:grpSp>
+      <p:sp>
+        <p:nvSpPr>
+          <p:cNvPr id="3" name="TextBox 2">
+            <a:extLst>
+              <a:ext uri="{FF2B5EF4-FFF2-40B4-BE49-F238E27FC236}">
+                <a16:creationId xmlns:a16="http://schemas.microsoft.com/office/drawing/2014/main" id="{AE331A4F-2D74-B2C3-6AA3-DFC3E005D5B1}"/>
+              </a:ext>
+            </a:extLst>
+          </p:cNvPr>
+          <p:cNvSpPr txBox="1"/>
+          <p:nvPr/>
+        </p:nvSpPr>
+        <p:spPr>
+          <a:xfrm>
+            <a:off x="4524295" y="2941992"/>
+            <a:ext cx="711828" cy="307777"/>
+          </a:xfrm>
+          <a:prstGeom prst="rect">
+            <a:avLst/>
+          </a:prstGeom>
+          <a:noFill/>
+        </p:spPr>
+        <p:txBody>
+          <a:bodyPr wrap="square" rtlCol="0">
+            <a:spAutoFit/>
+          </a:bodyPr>
+          <a:lstStyle/>
+          <a:p>
+            <a:r>
+              <a:rPr lang="ko-KR" altLang="en-US" sz="700" b="1" dirty="0">
+                <a:solidFill>
+                  <a:srgbClr val="FF0000"/>
+                </a:solidFill>
+              </a:rPr>
+              <a:t>타워 </a:t>
+            </a:r>
+            <a:r>
+              <a:rPr lang="en-US" altLang="ko-KR" sz="700" b="1" dirty="0">
+                <a:solidFill>
+                  <a:srgbClr val="FF0000"/>
+                </a:solidFill>
+              </a:rPr>
+              <a:t>: 1/n</a:t>
+            </a:r>
+          </a:p>
+          <a:p>
+            <a:r>
+              <a:rPr lang="ko-KR" altLang="en-US" sz="700" b="1" dirty="0">
+                <a:solidFill>
+                  <a:srgbClr val="FF0000"/>
+                </a:solidFill>
+              </a:rPr>
+              <a:t>영웅 </a:t>
+            </a:r>
+            <a:r>
+              <a:rPr lang="en-US" altLang="ko-KR" sz="700" b="1" dirty="0">
+                <a:solidFill>
+                  <a:srgbClr val="FF0000"/>
+                </a:solidFill>
+              </a:rPr>
+              <a:t>: 1/n</a:t>
+            </a:r>
+            <a:endParaRPr lang="ko-KR" altLang="en-US" sz="700" b="1" dirty="0">
+              <a:solidFill>
+                <a:srgbClr val="FF0000"/>
+              </a:solidFill>
+            </a:endParaRPr>
+          </a:p>
+        </p:txBody>
+      </p:sp>
     </p:spTree>
     <p:extLst>
       <p:ext uri="{BB962C8B-B14F-4D97-AF65-F5344CB8AC3E}">

--- a/Design/UI 기획서.pptx
+++ b/Design/UI 기획서.pptx
@@ -21565,7 +21565,7 @@
                   <a:schemeClr val="tx1"/>
                 </a:solidFill>
               </a:rPr>
-              <a:t>4</a:t>
+              <a:t>5</a:t>
             </a:r>
             <a:endParaRPr lang="ko-KR" altLang="en-US" sz="1050" dirty="0">
               <a:solidFill>
@@ -21815,7 +21815,7 @@
                   <a:schemeClr val="tx1"/>
                 </a:solidFill>
               </a:rPr>
-              <a:t>5</a:t>
+              <a:t>6</a:t>
             </a:r>
             <a:endParaRPr lang="ko-KR" altLang="en-US" sz="1050" dirty="0">
               <a:solidFill>

--- a/Design/UI 기획서.pptx
+++ b/Design/UI 기획서.pptx
@@ -5,10 +5,10 @@
     <p:sldMasterId id="2147483648" r:id="rId1"/>
   </p:sldMasterIdLst>
   <p:notesMasterIdLst>
-    <p:notesMasterId r:id="rId15"/>
+    <p:notesMasterId r:id="rId16"/>
   </p:notesMasterIdLst>
   <p:handoutMasterIdLst>
-    <p:handoutMasterId r:id="rId16"/>
+    <p:handoutMasterId r:id="rId17"/>
   </p:handoutMasterIdLst>
   <p:sldIdLst>
     <p:sldId id="282" r:id="rId2"/>
@@ -22,8 +22,9 @@
     <p:sldId id="289" r:id="rId10"/>
     <p:sldId id="294" r:id="rId11"/>
     <p:sldId id="295" r:id="rId12"/>
-    <p:sldId id="290" r:id="rId13"/>
-    <p:sldId id="291" r:id="rId14"/>
+    <p:sldId id="296" r:id="rId13"/>
+    <p:sldId id="290" r:id="rId14"/>
+    <p:sldId id="291" r:id="rId15"/>
   </p:sldIdLst>
   <p:sldSz cx="9144000" cy="6858000" type="screen4x3"/>
   <p:notesSz cx="9144000" cy="6858000"/>
@@ -325,7 +326,7 @@
     </p:extLst>
   </p:cSld>
   <p:clrMap bg1="lt1" tx1="dk1" bg2="lt2" tx2="dk2" accent1="accent1" accent2="accent2" accent3="accent3" accent4="accent4" accent5="accent5" accent6="accent6" hlink="hlink" folHlink="folHlink"/>
-  <p:hf ftr="0"/>
+  <p:hf/>
 </p:handoutMaster>
 </file>
 
@@ -592,7 +593,7 @@
     </p:extLst>
   </p:cSld>
   <p:clrMap bg1="lt1" tx1="dk1" bg2="lt2" tx2="dk2" accent1="accent1" accent2="accent2" accent3="accent3" accent4="accent4" accent5="accent5" accent6="accent6" hlink="hlink" folHlink="folHlink"/>
-  <p:hf ftr="0"/>
+  <p:hf/>
   <p:notesStyle>
     <a:lvl1pPr marL="0" algn="l" defTabSz="914400" rtl="0" eaLnBrk="1" latinLnBrk="1" hangingPunct="1">
       <a:defRPr sz="1200" kern="1200">
@@ -735,6 +736,148 @@
           <a:chExt cx="0" cy="0"/>
         </a:xfrm>
       </p:grpSpPr>
+      <p:sp>
+        <p:nvSpPr>
+          <p:cNvPr id="2" name="제목 개체 틀 1">
+            <a:extLst>
+              <a:ext uri="{FF2B5EF4-FFF2-40B4-BE49-F238E27FC236}">
+                <a16:creationId xmlns:a16="http://schemas.microsoft.com/office/drawing/2014/main" id="{CD80EFF6-1A3A-02AB-A153-2AAF751A4980}"/>
+              </a:ext>
+            </a:extLst>
+          </p:cNvPr>
+          <p:cNvSpPr>
+            <a:spLocks noGrp="1"/>
+          </p:cNvSpPr>
+          <p:nvPr>
+            <p:ph type="title"/>
+          </p:nvPr>
+        </p:nvSpPr>
+        <p:spPr>
+          <a:xfrm>
+            <a:off x="628650" y="365125"/>
+            <a:ext cx="7886700" cy="1325563"/>
+          </a:xfrm>
+          <a:prstGeom prst="rect">
+            <a:avLst/>
+          </a:prstGeom>
+        </p:spPr>
+        <p:txBody>
+          <a:bodyPr vert="horz" lIns="91440" tIns="45720" rIns="91440" bIns="45720" rtlCol="0" anchor="ctr">
+            <a:normAutofit/>
+          </a:bodyPr>
+          <a:lstStyle/>
+          <a:p>
+            <a:r>
+              <a:rPr lang="ko-KR" altLang="en-US"/>
+              <a:t>마스터 제목 스타일 편집</a:t>
+            </a:r>
+          </a:p>
+        </p:txBody>
+      </p:sp>
+      <p:sp>
+        <p:nvSpPr>
+          <p:cNvPr id="3" name="텍스트 개체 틀 2">
+            <a:extLst>
+              <a:ext uri="{FF2B5EF4-FFF2-40B4-BE49-F238E27FC236}">
+                <a16:creationId xmlns:a16="http://schemas.microsoft.com/office/drawing/2014/main" id="{1AC00E36-ED59-3FD4-0580-5F53CDBB3221}"/>
+              </a:ext>
+            </a:extLst>
+          </p:cNvPr>
+          <p:cNvSpPr>
+            <a:spLocks noGrp="1"/>
+          </p:cNvSpPr>
+          <p:nvPr>
+            <p:ph type="body" idx="1"/>
+          </p:nvPr>
+        </p:nvSpPr>
+        <p:spPr>
+          <a:xfrm>
+            <a:off x="628650" y="1825625"/>
+            <a:ext cx="7886700" cy="4351338"/>
+          </a:xfrm>
+          <a:prstGeom prst="rect">
+            <a:avLst/>
+          </a:prstGeom>
+        </p:spPr>
+        <p:txBody>
+          <a:bodyPr vert="horz" lIns="91440" tIns="45720" rIns="91440" bIns="45720" rtlCol="0">
+            <a:normAutofit/>
+          </a:bodyPr>
+          <a:lstStyle/>
+          <a:p>
+            <a:pPr lvl="0"/>
+            <a:r>
+              <a:rPr lang="ko-KR" altLang="en-US"/>
+              <a:t>마스터 텍스트 스타일을 편집하려면 클릭</a:t>
+            </a:r>
+          </a:p>
+          <a:p>
+            <a:pPr lvl="1"/>
+            <a:r>
+              <a:rPr lang="ko-KR" altLang="en-US"/>
+              <a:t>두 번째 수준</a:t>
+            </a:r>
+          </a:p>
+          <a:p>
+            <a:pPr lvl="2"/>
+            <a:r>
+              <a:rPr lang="ko-KR" altLang="en-US"/>
+              <a:t>세 번째 수준</a:t>
+            </a:r>
+          </a:p>
+          <a:p>
+            <a:pPr lvl="3"/>
+            <a:r>
+              <a:rPr lang="ko-KR" altLang="en-US"/>
+              <a:t>네 번째 수준</a:t>
+            </a:r>
+          </a:p>
+          <a:p>
+            <a:pPr lvl="4"/>
+            <a:r>
+              <a:rPr lang="ko-KR" altLang="en-US"/>
+              <a:t>다섯 번째 수준</a:t>
+            </a:r>
+          </a:p>
+        </p:txBody>
+      </p:sp>
+      <p:sp>
+        <p:nvSpPr>
+          <p:cNvPr id="4" name="슬라이드 번호 개체 틀 3">
+            <a:extLst>
+              <a:ext uri="{FF2B5EF4-FFF2-40B4-BE49-F238E27FC236}">
+                <a16:creationId xmlns:a16="http://schemas.microsoft.com/office/drawing/2014/main" id="{A6D63D5F-9E52-9896-FA58-85418A038615}"/>
+              </a:ext>
+            </a:extLst>
+          </p:cNvPr>
+          <p:cNvSpPr>
+            <a:spLocks noGrp="1"/>
+          </p:cNvSpPr>
+          <p:nvPr>
+            <p:ph type="sldNum" sz="quarter" idx="4"/>
+          </p:nvPr>
+        </p:nvSpPr>
+        <p:spPr>
+          <a:xfrm>
+            <a:off x="6457950" y="6320213"/>
+            <a:ext cx="2057400" cy="365125"/>
+          </a:xfrm>
+          <a:prstGeom prst="rect">
+            <a:avLst/>
+          </a:prstGeom>
+        </p:spPr>
+        <p:txBody>
+          <a:bodyPr vert="horz" lIns="91440" tIns="45720" rIns="91440" bIns="45720" rtlCol="0" anchor="ctr"/>
+          <a:lstStyle>
+            <a:lvl1pPr algn="r">
+              <a:defRPr lang="ko-KR" altLang="en-US" smtClean="0"/>
+            </a:lvl1pPr>
+          </a:lstStyle>
+          <a:p>
+            <a:endParaRPr lang="en-US" altLang="ko-KR" dirty="0"/>
+          </a:p>
+        </p:txBody>
+      </p:sp>
     </p:spTree>
   </p:cSld>
   <p:clrMap bg1="lt1" tx1="dk1" bg2="lt2" tx2="dk2" accent1="accent1" accent2="accent2" accent3="accent3" accent4="accent4" accent5="accent5" accent6="accent6" hlink="hlink" folHlink="folHlink"/>
@@ -1373,7 +1516,7 @@
         </p:blipFill>
         <p:spPr bwMode="auto">
           <a:xfrm>
-            <a:off x="0" y="-24"/>
+            <a:off x="0" y="-18044"/>
             <a:ext cx="9144000" cy="704850"/>
           </a:xfrm>
           <a:prstGeom prst="rect">
@@ -1390,7 +1533,7 @@
         </p:nvSpPr>
         <p:spPr>
           <a:xfrm>
-            <a:off x="7858148" y="133974"/>
+            <a:off x="5799721" y="998275"/>
             <a:ext cx="1035027" cy="246221"/>
           </a:xfrm>
           <a:prstGeom prst="rect">
@@ -1911,6 +2054,75 @@
                   <a:lumOff val="25000"/>
                 </a:schemeClr>
               </a:solidFill>
+            </a:endParaRPr>
+          </a:p>
+        </p:txBody>
+      </p:sp>
+      <p:sp>
+        <p:nvSpPr>
+          <p:cNvPr id="2" name="TextBox 1">
+            <a:extLst>
+              <a:ext uri="{FF2B5EF4-FFF2-40B4-BE49-F238E27FC236}">
+                <a16:creationId xmlns:a16="http://schemas.microsoft.com/office/drawing/2014/main" id="{E317D25E-CD81-E5FB-E1CE-5610C54B62A0}"/>
+              </a:ext>
+            </a:extLst>
+          </p:cNvPr>
+          <p:cNvSpPr txBox="1"/>
+          <p:nvPr/>
+        </p:nvSpPr>
+        <p:spPr>
+          <a:xfrm>
+            <a:off x="7858148" y="133974"/>
+            <a:ext cx="1035027" cy="246221"/>
+          </a:xfrm>
+          <a:prstGeom prst="rect">
+            <a:avLst/>
+          </a:prstGeom>
+          <a:noFill/>
+        </p:spPr>
+        <p:txBody>
+          <a:bodyPr wrap="square" rtlCol="0">
+            <a:spAutoFit/>
+          </a:bodyPr>
+          <a:lstStyle/>
+          <a:p>
+            <a:pPr marL="0" marR="0" indent="0" algn="l" defTabSz="914400" rtl="0" eaLnBrk="1" fontAlgn="auto" latinLnBrk="1" hangingPunct="1">
+              <a:lnSpc>
+                <a:spcPct val="100000"/>
+              </a:lnSpc>
+              <a:spcBef>
+                <a:spcPts val="0"/>
+              </a:spcBef>
+              <a:spcAft>
+                <a:spcPts val="0"/>
+              </a:spcAft>
+              <a:buClrTx/>
+              <a:buSzTx/>
+              <a:buFontTx/>
+              <a:buNone/>
+              <a:tabLst/>
+              <a:defRPr/>
+            </a:pPr>
+            <a:r>
+              <a:rPr lang="en-US" altLang="ko-KR" sz="1000" b="0" dirty="0">
+                <a:solidFill>
+                  <a:schemeClr val="tx1">
+                    <a:lumMod val="75000"/>
+                    <a:lumOff val="25000"/>
+                  </a:schemeClr>
+                </a:solidFill>
+                <a:latin typeface="+mj-lt"/>
+              </a:rPr>
+              <a:t>1</a:t>
+            </a:r>
+            <a:endParaRPr lang="ko-KR" altLang="en-US" sz="1000" b="0" dirty="0">
+              <a:solidFill>
+                <a:schemeClr val="tx1">
+                  <a:lumMod val="75000"/>
+                  <a:lumOff val="25000"/>
+                </a:schemeClr>
+              </a:solidFill>
+              <a:latin typeface="+mj-lt"/>
             </a:endParaRPr>
           </a:p>
         </p:txBody>
@@ -2364,7 +2576,7 @@
                 </a:solidFill>
                 <a:latin typeface="+mj-lt"/>
               </a:rPr>
-              <a:t>3</a:t>
+              <a:t>10</a:t>
             </a:r>
             <a:endParaRPr lang="ko-KR" altLang="en-US" sz="1000" b="0" dirty="0">
               <a:solidFill>
@@ -4413,7 +4625,7 @@
                 </a:solidFill>
                 <a:latin typeface="+mj-lt"/>
               </a:rPr>
-              <a:t>3</a:t>
+              <a:t>11</a:t>
             </a:r>
             <a:endParaRPr lang="ko-KR" altLang="en-US" sz="1000" b="0" dirty="0">
               <a:solidFill>
@@ -5714,7 +5926,1308 @@
                 </a:solidFill>
                 <a:latin typeface="+mj-lt"/>
               </a:rPr>
-              <a:t>3</a:t>
+              <a:t>12</a:t>
+            </a:r>
+            <a:endParaRPr lang="ko-KR" altLang="en-US" sz="1000" b="0" dirty="0">
+              <a:solidFill>
+                <a:schemeClr val="tx1">
+                  <a:lumMod val="75000"/>
+                  <a:lumOff val="25000"/>
+                </a:schemeClr>
+              </a:solidFill>
+              <a:latin typeface="+mj-lt"/>
+            </a:endParaRPr>
+          </a:p>
+        </p:txBody>
+      </p:sp>
+      <p:sp>
+        <p:nvSpPr>
+          <p:cNvPr id="32" name="TextBox 31"/>
+          <p:cNvSpPr txBox="1"/>
+          <p:nvPr/>
+        </p:nvSpPr>
+        <p:spPr>
+          <a:xfrm>
+            <a:off x="214329" y="664275"/>
+            <a:ext cx="2727029" cy="369332"/>
+          </a:xfrm>
+          <a:prstGeom prst="rect">
+            <a:avLst/>
+          </a:prstGeom>
+          <a:noFill/>
+        </p:spPr>
+        <p:txBody>
+          <a:bodyPr wrap="none">
+            <a:spAutoFit/>
+          </a:bodyPr>
+          <a:lstStyle>
+            <a:defPPr>
+              <a:defRPr lang="ko-KR"/>
+            </a:defPPr>
+            <a:lvl1pPr marL="0" algn="l" defTabSz="914400" rtl="0" eaLnBrk="1" latinLnBrk="1" hangingPunct="1">
+              <a:defRPr sz="1800" kern="1200">
+                <a:solidFill>
+                  <a:schemeClr val="tx1"/>
+                </a:solidFill>
+                <a:latin typeface="+mn-lt"/>
+                <a:ea typeface="+mn-ea"/>
+                <a:cs typeface="+mn-cs"/>
+              </a:defRPr>
+            </a:lvl1pPr>
+            <a:lvl2pPr marL="457200" algn="l" defTabSz="914400" rtl="0" eaLnBrk="1" latinLnBrk="1" hangingPunct="1">
+              <a:defRPr sz="1800" kern="1200">
+                <a:solidFill>
+                  <a:schemeClr val="tx1"/>
+                </a:solidFill>
+                <a:latin typeface="+mn-lt"/>
+                <a:ea typeface="+mn-ea"/>
+                <a:cs typeface="+mn-cs"/>
+              </a:defRPr>
+            </a:lvl2pPr>
+            <a:lvl3pPr marL="914400" algn="l" defTabSz="914400" rtl="0" eaLnBrk="1" latinLnBrk="1" hangingPunct="1">
+              <a:defRPr sz="1800" kern="1200">
+                <a:solidFill>
+                  <a:schemeClr val="tx1"/>
+                </a:solidFill>
+                <a:latin typeface="+mn-lt"/>
+                <a:ea typeface="+mn-ea"/>
+                <a:cs typeface="+mn-cs"/>
+              </a:defRPr>
+            </a:lvl3pPr>
+            <a:lvl4pPr marL="1371600" algn="l" defTabSz="914400" rtl="0" eaLnBrk="1" latinLnBrk="1" hangingPunct="1">
+              <a:defRPr sz="1800" kern="1200">
+                <a:solidFill>
+                  <a:schemeClr val="tx1"/>
+                </a:solidFill>
+                <a:latin typeface="+mn-lt"/>
+                <a:ea typeface="+mn-ea"/>
+                <a:cs typeface="+mn-cs"/>
+              </a:defRPr>
+            </a:lvl4pPr>
+            <a:lvl5pPr marL="1828800" algn="l" defTabSz="914400" rtl="0" eaLnBrk="1" latinLnBrk="1" hangingPunct="1">
+              <a:defRPr sz="1800" kern="1200">
+                <a:solidFill>
+                  <a:schemeClr val="tx1"/>
+                </a:solidFill>
+                <a:latin typeface="+mn-lt"/>
+                <a:ea typeface="+mn-ea"/>
+                <a:cs typeface="+mn-cs"/>
+              </a:defRPr>
+            </a:lvl5pPr>
+            <a:lvl6pPr marL="2286000" algn="l" defTabSz="914400" rtl="0" eaLnBrk="1" latinLnBrk="1" hangingPunct="1">
+              <a:defRPr sz="1800" kern="1200">
+                <a:solidFill>
+                  <a:schemeClr val="tx1"/>
+                </a:solidFill>
+                <a:latin typeface="+mn-lt"/>
+                <a:ea typeface="+mn-ea"/>
+                <a:cs typeface="+mn-cs"/>
+              </a:defRPr>
+            </a:lvl6pPr>
+            <a:lvl7pPr marL="2743200" algn="l" defTabSz="914400" rtl="0" eaLnBrk="1" latinLnBrk="1" hangingPunct="1">
+              <a:defRPr sz="1800" kern="1200">
+                <a:solidFill>
+                  <a:schemeClr val="tx1"/>
+                </a:solidFill>
+                <a:latin typeface="+mn-lt"/>
+                <a:ea typeface="+mn-ea"/>
+                <a:cs typeface="+mn-cs"/>
+              </a:defRPr>
+            </a:lvl7pPr>
+            <a:lvl8pPr marL="3200400" algn="l" defTabSz="914400" rtl="0" eaLnBrk="1" latinLnBrk="1" hangingPunct="1">
+              <a:defRPr sz="1800" kern="1200">
+                <a:solidFill>
+                  <a:schemeClr val="tx1"/>
+                </a:solidFill>
+                <a:latin typeface="+mn-lt"/>
+                <a:ea typeface="+mn-ea"/>
+                <a:cs typeface="+mn-cs"/>
+              </a:defRPr>
+            </a:lvl8pPr>
+            <a:lvl9pPr marL="3657600" algn="l" defTabSz="914400" rtl="0" eaLnBrk="1" latinLnBrk="1" hangingPunct="1">
+              <a:defRPr sz="1800" kern="1200">
+                <a:solidFill>
+                  <a:schemeClr val="tx1"/>
+                </a:solidFill>
+                <a:latin typeface="+mn-lt"/>
+                <a:ea typeface="+mn-ea"/>
+                <a:cs typeface="+mn-cs"/>
+              </a:defRPr>
+            </a:lvl9pPr>
+          </a:lstStyle>
+          <a:p>
+            <a:pPr fontAlgn="auto">
+              <a:spcBef>
+                <a:spcPts val="0"/>
+              </a:spcBef>
+              <a:spcAft>
+                <a:spcPts val="0"/>
+              </a:spcAft>
+              <a:defRPr/>
+            </a:pPr>
+            <a:r>
+              <a:rPr lang="en-US" altLang="ko-KR" b="1" dirty="0"/>
+              <a:t>UI </a:t>
+            </a:r>
+            <a:r>
+              <a:rPr lang="ko-KR" altLang="en-US" b="1" dirty="0"/>
+              <a:t>기획서 </a:t>
+            </a:r>
+            <a:r>
+              <a:rPr kumimoji="0" lang="en-US" altLang="ko-KR" b="1" dirty="0">
+                <a:latin typeface="+mn-lt"/>
+                <a:ea typeface="+mn-ea"/>
+              </a:rPr>
+              <a:t>– </a:t>
+            </a:r>
+            <a:r>
+              <a:rPr kumimoji="0" lang="ko-KR" altLang="en-US" b="1" dirty="0" err="1">
+                <a:latin typeface="+mn-lt"/>
+                <a:ea typeface="+mn-ea"/>
+              </a:rPr>
+              <a:t>메</a:t>
+            </a:r>
+            <a:r>
+              <a:rPr lang="ko-KR" altLang="en-US" b="1" dirty="0" err="1"/>
+              <a:t>인화면</a:t>
+            </a:r>
+            <a:r>
+              <a:rPr lang="ko-KR" altLang="en-US" b="1" dirty="0"/>
+              <a:t> </a:t>
+            </a:r>
+            <a:r>
+              <a:rPr lang="en-US" altLang="ko-KR" b="1" dirty="0"/>
+              <a:t>UI</a:t>
+            </a:r>
+            <a:endParaRPr kumimoji="0" lang="ko-KR" altLang="en-US" b="1" dirty="0">
+              <a:solidFill>
+                <a:srgbClr val="FF0000"/>
+              </a:solidFill>
+              <a:latin typeface="+mn-lt"/>
+              <a:ea typeface="+mn-ea"/>
+            </a:endParaRPr>
+          </a:p>
+        </p:txBody>
+      </p:sp>
+      <p:sp>
+        <p:nvSpPr>
+          <p:cNvPr id="19" name="TextBox 18"/>
+          <p:cNvSpPr txBox="1"/>
+          <p:nvPr/>
+        </p:nvSpPr>
+        <p:spPr>
+          <a:xfrm>
+            <a:off x="6624718" y="1412103"/>
+            <a:ext cx="1775601" cy="230832"/>
+          </a:xfrm>
+          <a:prstGeom prst="rect">
+            <a:avLst/>
+          </a:prstGeom>
+          <a:noFill/>
+        </p:spPr>
+        <p:txBody>
+          <a:bodyPr wrap="square" rtlCol="0">
+            <a:spAutoFit/>
+          </a:bodyPr>
+          <a:lstStyle/>
+          <a:p>
+            <a:pPr marL="171450" indent="-171450">
+              <a:buFont typeface="Wingdings" panose="05000000000000000000" pitchFamily="2" charset="2"/>
+              <a:buChar char="l"/>
+            </a:pPr>
+            <a:r>
+              <a:rPr lang="ko-KR" altLang="en-US" sz="900" dirty="0"/>
+              <a:t>메인 화면 </a:t>
+            </a:r>
+            <a:r>
+              <a:rPr lang="en-US" altLang="ko-KR" sz="900" dirty="0"/>
+              <a:t>UI</a:t>
+            </a:r>
+          </a:p>
+        </p:txBody>
+      </p:sp>
+      <p:sp>
+        <p:nvSpPr>
+          <p:cNvPr id="34" name="TextBox 33"/>
+          <p:cNvSpPr txBox="1"/>
+          <p:nvPr/>
+        </p:nvSpPr>
+        <p:spPr>
+          <a:xfrm>
+            <a:off x="1464654" y="133974"/>
+            <a:ext cx="1321396" cy="246221"/>
+          </a:xfrm>
+          <a:prstGeom prst="rect">
+            <a:avLst/>
+          </a:prstGeom>
+          <a:noFill/>
+        </p:spPr>
+        <p:txBody>
+          <a:bodyPr wrap="square" rtlCol="0">
+            <a:spAutoFit/>
+          </a:bodyPr>
+          <a:lstStyle/>
+          <a:p>
+            <a:r>
+              <a:rPr lang="en-US" altLang="ko-KR" sz="1000" b="1" dirty="0">
+                <a:solidFill>
+                  <a:schemeClr val="tx1">
+                    <a:lumMod val="75000"/>
+                    <a:lumOff val="25000"/>
+                  </a:schemeClr>
+                </a:solidFill>
+              </a:rPr>
+              <a:t>S</a:t>
+            </a:r>
+            <a:r>
+              <a:rPr lang="ko-KR" altLang="en-US" sz="1000" b="1" dirty="0">
+                <a:solidFill>
+                  <a:schemeClr val="tx1">
+                    <a:lumMod val="75000"/>
+                    <a:lumOff val="25000"/>
+                  </a:schemeClr>
+                </a:solidFill>
+              </a:rPr>
+              <a:t> </a:t>
+            </a:r>
+            <a:r>
+              <a:rPr lang="en-US" altLang="ko-KR" sz="1000" b="1" dirty="0">
+                <a:solidFill>
+                  <a:schemeClr val="tx1">
+                    <a:lumMod val="75000"/>
+                    <a:lumOff val="25000"/>
+                  </a:schemeClr>
+                </a:solidFill>
+              </a:rPr>
+              <a:t>PROJECT</a:t>
+            </a:r>
+          </a:p>
+        </p:txBody>
+      </p:sp>
+      <p:sp>
+        <p:nvSpPr>
+          <p:cNvPr id="35" name="TextBox 34"/>
+          <p:cNvSpPr txBox="1"/>
+          <p:nvPr/>
+        </p:nvSpPr>
+        <p:spPr>
+          <a:xfrm>
+            <a:off x="4107860" y="129115"/>
+            <a:ext cx="2464404" cy="246221"/>
+          </a:xfrm>
+          <a:prstGeom prst="rect">
+            <a:avLst/>
+          </a:prstGeom>
+          <a:noFill/>
+        </p:spPr>
+        <p:txBody>
+          <a:bodyPr wrap="square" rtlCol="0">
+            <a:spAutoFit/>
+          </a:bodyPr>
+          <a:lstStyle/>
+          <a:p>
+            <a:r>
+              <a:rPr lang="en-US" altLang="ko-KR" sz="1000" b="1" dirty="0">
+                <a:solidFill>
+                  <a:schemeClr val="tx1">
+                    <a:lumMod val="75000"/>
+                    <a:lumOff val="25000"/>
+                  </a:schemeClr>
+                </a:solidFill>
+              </a:rPr>
+              <a:t>UI </a:t>
+            </a:r>
+            <a:r>
+              <a:rPr lang="ko-KR" altLang="en-US" sz="1000" b="1" dirty="0">
+                <a:solidFill>
+                  <a:schemeClr val="tx1">
+                    <a:lumMod val="75000"/>
+                    <a:lumOff val="25000"/>
+                  </a:schemeClr>
+                </a:solidFill>
+              </a:rPr>
+              <a:t>기획서</a:t>
+            </a:r>
+            <a:endParaRPr lang="en-US" altLang="ko-KR" sz="1000" b="1" dirty="0">
+              <a:solidFill>
+                <a:schemeClr val="tx1">
+                  <a:lumMod val="75000"/>
+                  <a:lumOff val="25000"/>
+                </a:schemeClr>
+              </a:solidFill>
+            </a:endParaRPr>
+          </a:p>
+        </p:txBody>
+      </p:sp>
+      <p:sp>
+        <p:nvSpPr>
+          <p:cNvPr id="28" name="TextBox 27">
+            <a:extLst>
+              <a:ext uri="{FF2B5EF4-FFF2-40B4-BE49-F238E27FC236}">
+                <a16:creationId xmlns:a16="http://schemas.microsoft.com/office/drawing/2014/main" id="{04831F1D-DB1D-5270-5BB2-153C00447620}"/>
+              </a:ext>
+            </a:extLst>
+          </p:cNvPr>
+          <p:cNvSpPr txBox="1"/>
+          <p:nvPr/>
+        </p:nvSpPr>
+        <p:spPr>
+          <a:xfrm>
+            <a:off x="6596934" y="1600186"/>
+            <a:ext cx="1775601" cy="230832"/>
+          </a:xfrm>
+          <a:prstGeom prst="rect">
+            <a:avLst/>
+          </a:prstGeom>
+          <a:noFill/>
+        </p:spPr>
+        <p:txBody>
+          <a:bodyPr wrap="square" rtlCol="0">
+            <a:spAutoFit/>
+          </a:bodyPr>
+          <a:lstStyle/>
+          <a:p>
+            <a:r>
+              <a:rPr lang="en-US" altLang="ko-KR" sz="900" dirty="0"/>
+              <a:t>- </a:t>
+            </a:r>
+            <a:r>
+              <a:rPr lang="ko-KR" altLang="en-US" sz="900" dirty="0"/>
+              <a:t>메인 화면 </a:t>
+            </a:r>
+            <a:r>
+              <a:rPr lang="en-US" altLang="ko-KR" sz="900" dirty="0"/>
+              <a:t>UI </a:t>
+            </a:r>
+            <a:r>
+              <a:rPr lang="ko-KR" altLang="en-US" sz="900" dirty="0"/>
+              <a:t>배치 및 기능</a:t>
+            </a:r>
+            <a:endParaRPr lang="en-US" altLang="ko-KR" sz="900" dirty="0"/>
+          </a:p>
+        </p:txBody>
+      </p:sp>
+      <p:sp>
+        <p:nvSpPr>
+          <p:cNvPr id="29" name="TextBox 28">
+            <a:extLst>
+              <a:ext uri="{FF2B5EF4-FFF2-40B4-BE49-F238E27FC236}">
+                <a16:creationId xmlns:a16="http://schemas.microsoft.com/office/drawing/2014/main" id="{84693319-705F-376D-084F-0AC0BC07C63D}"/>
+              </a:ext>
+            </a:extLst>
+          </p:cNvPr>
+          <p:cNvSpPr txBox="1"/>
+          <p:nvPr/>
+        </p:nvSpPr>
+        <p:spPr>
+          <a:xfrm>
+            <a:off x="6608548" y="2445540"/>
+            <a:ext cx="2108760" cy="2031325"/>
+          </a:xfrm>
+          <a:prstGeom prst="rect">
+            <a:avLst/>
+          </a:prstGeom>
+          <a:noFill/>
+        </p:spPr>
+        <p:txBody>
+          <a:bodyPr wrap="square" rtlCol="0">
+            <a:spAutoFit/>
+          </a:bodyPr>
+          <a:lstStyle/>
+          <a:p>
+            <a:r>
+              <a:rPr lang="en-US" altLang="ko-KR" sz="900" dirty="0"/>
+              <a:t>5. </a:t>
+            </a:r>
+            <a:r>
+              <a:rPr lang="ko-KR" altLang="en-US" sz="900" dirty="0"/>
+              <a:t>메인 </a:t>
+            </a:r>
+            <a:r>
+              <a:rPr lang="en-US" altLang="ko-KR" sz="900" dirty="0"/>
+              <a:t>UI </a:t>
+            </a:r>
+            <a:r>
+              <a:rPr lang="ko-KR" altLang="en-US" sz="900" dirty="0"/>
+              <a:t>버튼 모음</a:t>
+            </a:r>
+            <a:endParaRPr lang="en-US" altLang="ko-KR" sz="900" dirty="0"/>
+          </a:p>
+          <a:p>
+            <a:endParaRPr lang="en-US" altLang="ko-KR" sz="900" dirty="0"/>
+          </a:p>
+          <a:p>
+            <a:r>
+              <a:rPr lang="en-US" altLang="ko-KR" sz="900" dirty="0"/>
+              <a:t>- </a:t>
+            </a:r>
+            <a:r>
+              <a:rPr lang="ko-KR" altLang="en-US" sz="900" dirty="0"/>
+              <a:t>해당 </a:t>
+            </a:r>
+            <a:r>
+              <a:rPr lang="en-US" altLang="ko-KR" sz="900" dirty="0"/>
+              <a:t>UI </a:t>
+            </a:r>
+            <a:r>
+              <a:rPr lang="ko-KR" altLang="en-US" sz="900" dirty="0"/>
+              <a:t>바는 스크롤이 가능하며</a:t>
+            </a:r>
+            <a:r>
+              <a:rPr lang="en-US" altLang="ko-KR" sz="900" dirty="0"/>
+              <a:t>, </a:t>
+            </a:r>
+            <a:r>
+              <a:rPr lang="ko-KR" altLang="en-US" sz="900" dirty="0"/>
+              <a:t>시트 형태로 되어 있어 </a:t>
+            </a:r>
+            <a:r>
+              <a:rPr lang="en-US" altLang="ko-KR" sz="900" dirty="0"/>
+              <a:t>UI </a:t>
+            </a:r>
+            <a:r>
+              <a:rPr lang="ko-KR" altLang="en-US" sz="900" dirty="0"/>
+              <a:t>추가 시 자동으로 아이콘 생성되어야 함</a:t>
+            </a:r>
+            <a:endParaRPr lang="en-US" altLang="ko-KR" sz="900" dirty="0"/>
+          </a:p>
+          <a:p>
+            <a:r>
+              <a:rPr lang="ko-KR" altLang="en-US" sz="900" dirty="0"/>
+              <a:t>참조 테이블 </a:t>
+            </a:r>
+            <a:r>
+              <a:rPr lang="en-US" altLang="ko-KR" sz="900" dirty="0"/>
+              <a:t>: </a:t>
+            </a:r>
+            <a:r>
+              <a:rPr lang="en-US" altLang="ko-KR" sz="900" dirty="0" err="1"/>
+              <a:t>client_main_ui_info</a:t>
+            </a:r>
+            <a:endParaRPr lang="en-US" altLang="ko-KR" sz="900" dirty="0"/>
+          </a:p>
+          <a:p>
+            <a:r>
+              <a:rPr lang="ko-KR" altLang="en-US" sz="900" dirty="0"/>
+              <a:t>해당 테이블에서 설정된 </a:t>
+            </a:r>
+            <a:r>
+              <a:rPr lang="en-US" altLang="ko-KR" sz="900" dirty="0"/>
+              <a:t>KIND</a:t>
+            </a:r>
+            <a:r>
+              <a:rPr lang="ko-KR" altLang="en-US" sz="900" dirty="0"/>
+              <a:t>의 오름차순으로 정렬</a:t>
+            </a:r>
+            <a:endParaRPr lang="en-US" altLang="ko-KR" sz="900" dirty="0"/>
+          </a:p>
+          <a:p>
+            <a:r>
+              <a:rPr lang="ko-KR" altLang="en-US" sz="900" dirty="0"/>
+              <a:t>해당 테이블의 </a:t>
+            </a:r>
+            <a:r>
+              <a:rPr lang="en-US" altLang="ko-KR" sz="900" dirty="0"/>
+              <a:t>ICON </a:t>
+            </a:r>
+            <a:r>
+              <a:rPr lang="ko-KR" altLang="en-US" sz="900" dirty="0"/>
+              <a:t>컬럼에 설정된 이미지 노출</a:t>
+            </a:r>
+            <a:endParaRPr lang="en-US" altLang="ko-KR" sz="900" dirty="0"/>
+          </a:p>
+          <a:p>
+            <a:endParaRPr lang="en-US" altLang="ko-KR" sz="900" dirty="0"/>
+          </a:p>
+          <a:p>
+            <a:r>
+              <a:rPr lang="en-US" altLang="ko-KR" sz="900" dirty="0"/>
+              <a:t>- </a:t>
+            </a:r>
+            <a:r>
+              <a:rPr lang="ko-KR" altLang="en-US" sz="900" dirty="0"/>
+              <a:t>해당 영역에 배치되어 있는 아이콘 터치 시 각 아이콘 별 설정된 팝업 노출</a:t>
+            </a:r>
+            <a:endParaRPr lang="en-US" altLang="ko-KR" sz="900" dirty="0"/>
+          </a:p>
+        </p:txBody>
+      </p:sp>
+      <p:sp>
+        <p:nvSpPr>
+          <p:cNvPr id="5" name="TextBox 4">
+            <a:extLst>
+              <a:ext uri="{FF2B5EF4-FFF2-40B4-BE49-F238E27FC236}">
+                <a16:creationId xmlns:a16="http://schemas.microsoft.com/office/drawing/2014/main" id="{2A9E924F-4DD0-9E5D-85B9-40D29C8DB79D}"/>
+              </a:ext>
+            </a:extLst>
+          </p:cNvPr>
+          <p:cNvSpPr txBox="1"/>
+          <p:nvPr/>
+        </p:nvSpPr>
+        <p:spPr>
+          <a:xfrm>
+            <a:off x="382764" y="1386863"/>
+            <a:ext cx="2015295" cy="307777"/>
+          </a:xfrm>
+          <a:prstGeom prst="rect">
+            <a:avLst/>
+          </a:prstGeom>
+          <a:noFill/>
+        </p:spPr>
+        <p:txBody>
+          <a:bodyPr wrap="none" rtlCol="0">
+            <a:spAutoFit/>
+          </a:bodyPr>
+          <a:lstStyle/>
+          <a:p>
+            <a:r>
+              <a:rPr lang="ko-KR" altLang="en-US" sz="1400" b="1" dirty="0"/>
+              <a:t>■ 메인 </a:t>
+            </a:r>
+            <a:r>
+              <a:rPr lang="en-US" altLang="ko-KR" sz="1400" b="1" dirty="0"/>
+              <a:t>UI </a:t>
+            </a:r>
+            <a:r>
+              <a:rPr lang="ko-KR" altLang="en-US" sz="1400" b="1" dirty="0"/>
+              <a:t>버튼 </a:t>
+            </a:r>
+            <a:r>
+              <a:rPr lang="en-US" altLang="ko-KR" sz="1400" b="1" dirty="0"/>
+              <a:t>- </a:t>
+            </a:r>
+            <a:r>
+              <a:rPr lang="ko-KR" altLang="en-US" sz="1400" b="1" dirty="0"/>
+              <a:t>영웅</a:t>
+            </a:r>
+            <a:endParaRPr lang="en-US" altLang="ko-KR" sz="1100" b="1" dirty="0"/>
+          </a:p>
+        </p:txBody>
+      </p:sp>
+      <p:pic>
+        <p:nvPicPr>
+          <p:cNvPr id="6" name="그림 5">
+            <a:extLst>
+              <a:ext uri="{FF2B5EF4-FFF2-40B4-BE49-F238E27FC236}">
+                <a16:creationId xmlns:a16="http://schemas.microsoft.com/office/drawing/2014/main" id="{4E03594F-CF35-9AA3-A28C-163038A856BB}"/>
+              </a:ext>
+            </a:extLst>
+          </p:cNvPr>
+          <p:cNvPicPr>
+            <a:picLocks noChangeAspect="1"/>
+          </p:cNvPicPr>
+          <p:nvPr/>
+        </p:nvPicPr>
+        <p:blipFill>
+          <a:blip r:embed="rId6">
+            <a:extLst>
+              <a:ext uri="{28A0092B-C50C-407E-A947-70E740481C1C}">
+                <a14:useLocalDpi xmlns:a14="http://schemas.microsoft.com/office/drawing/2010/main" val="0"/>
+              </a:ext>
+            </a:extLst>
+          </a:blip>
+          <a:stretch>
+            <a:fillRect/>
+          </a:stretch>
+        </p:blipFill>
+        <p:spPr>
+          <a:xfrm rot="5400000">
+            <a:off x="1133449" y="421968"/>
+            <a:ext cx="4751181" cy="5938975"/>
+          </a:xfrm>
+          <a:prstGeom prst="rect">
+            <a:avLst/>
+          </a:prstGeom>
+        </p:spPr>
+      </p:pic>
+      <p:sp>
+        <p:nvSpPr>
+          <p:cNvPr id="7" name="직사각형 6">
+            <a:extLst>
+              <a:ext uri="{FF2B5EF4-FFF2-40B4-BE49-F238E27FC236}">
+                <a16:creationId xmlns:a16="http://schemas.microsoft.com/office/drawing/2014/main" id="{BEA53392-4A4C-E20B-90CA-37573BF0460E}"/>
+              </a:ext>
+            </a:extLst>
+          </p:cNvPr>
+          <p:cNvSpPr/>
+          <p:nvPr/>
+        </p:nvSpPr>
+        <p:spPr>
+          <a:xfrm>
+            <a:off x="2429894" y="2410397"/>
+            <a:ext cx="2142106" cy="2053099"/>
+          </a:xfrm>
+          <a:prstGeom prst="rect">
+            <a:avLst/>
+          </a:prstGeom>
+          <a:solidFill>
+            <a:schemeClr val="bg2">
+              <a:lumMod val="90000"/>
+            </a:schemeClr>
+          </a:solidFill>
+          <a:ln>
+            <a:solidFill>
+              <a:schemeClr val="accent6"/>
+            </a:solidFill>
+          </a:ln>
+        </p:spPr>
+        <p:style>
+          <a:lnRef idx="2">
+            <a:schemeClr val="accent1">
+              <a:shade val="15000"/>
+            </a:schemeClr>
+          </a:lnRef>
+          <a:fillRef idx="1">
+            <a:schemeClr val="accent1"/>
+          </a:fillRef>
+          <a:effectRef idx="0">
+            <a:schemeClr val="accent1"/>
+          </a:effectRef>
+          <a:fontRef idx="minor">
+            <a:schemeClr val="lt1"/>
+          </a:fontRef>
+        </p:style>
+        <p:txBody>
+          <a:bodyPr rtlCol="0" anchor="ctr"/>
+          <a:lstStyle/>
+          <a:p>
+            <a:pPr algn="ctr"/>
+            <a:endParaRPr lang="ko-KR" altLang="en-US" dirty="0"/>
+          </a:p>
+        </p:txBody>
+      </p:sp>
+      <p:sp>
+        <p:nvSpPr>
+          <p:cNvPr id="8" name="직사각형 7">
+            <a:extLst>
+              <a:ext uri="{FF2B5EF4-FFF2-40B4-BE49-F238E27FC236}">
+                <a16:creationId xmlns:a16="http://schemas.microsoft.com/office/drawing/2014/main" id="{C118F2CE-276A-0160-9C61-CD2C51ED33A6}"/>
+              </a:ext>
+            </a:extLst>
+          </p:cNvPr>
+          <p:cNvSpPr/>
+          <p:nvPr/>
+        </p:nvSpPr>
+        <p:spPr>
+          <a:xfrm>
+            <a:off x="2285216" y="2303595"/>
+            <a:ext cx="2380047" cy="2287525"/>
+          </a:xfrm>
+          <a:prstGeom prst="rect">
+            <a:avLst/>
+          </a:prstGeom>
+          <a:noFill/>
+          <a:ln>
+            <a:solidFill>
+              <a:srgbClr val="FF0000"/>
+            </a:solidFill>
+          </a:ln>
+        </p:spPr>
+        <p:style>
+          <a:lnRef idx="2">
+            <a:schemeClr val="accent1">
+              <a:shade val="15000"/>
+            </a:schemeClr>
+          </a:lnRef>
+          <a:fillRef idx="1">
+            <a:schemeClr val="accent1"/>
+          </a:fillRef>
+          <a:effectRef idx="0">
+            <a:schemeClr val="accent1"/>
+          </a:effectRef>
+          <a:fontRef idx="minor">
+            <a:schemeClr val="lt1"/>
+          </a:fontRef>
+        </p:style>
+        <p:txBody>
+          <a:bodyPr rtlCol="0" anchor="ctr"/>
+          <a:lstStyle/>
+          <a:p>
+            <a:pPr algn="ctr"/>
+            <a:endParaRPr lang="en-US" altLang="ko-KR" sz="1050" dirty="0">
+              <a:solidFill>
+                <a:schemeClr val="tx1"/>
+              </a:solidFill>
+            </a:endParaRPr>
+          </a:p>
+        </p:txBody>
+      </p:sp>
+      <p:sp>
+        <p:nvSpPr>
+          <p:cNvPr id="9" name="직사각형 8">
+            <a:extLst>
+              <a:ext uri="{FF2B5EF4-FFF2-40B4-BE49-F238E27FC236}">
+                <a16:creationId xmlns:a16="http://schemas.microsoft.com/office/drawing/2014/main" id="{E6C726C6-BE8D-EE72-E246-E80C4D10F7D2}"/>
+              </a:ext>
+            </a:extLst>
+          </p:cNvPr>
+          <p:cNvSpPr/>
+          <p:nvPr/>
+        </p:nvSpPr>
+        <p:spPr>
+          <a:xfrm>
+            <a:off x="2144441" y="2107399"/>
+            <a:ext cx="160403" cy="287036"/>
+          </a:xfrm>
+          <a:prstGeom prst="rect">
+            <a:avLst/>
+          </a:prstGeom>
+          <a:solidFill>
+            <a:schemeClr val="bg1"/>
+          </a:solidFill>
+          <a:ln>
+            <a:solidFill>
+              <a:srgbClr val="FF0000"/>
+            </a:solidFill>
+          </a:ln>
+        </p:spPr>
+        <p:style>
+          <a:lnRef idx="2">
+            <a:schemeClr val="accent1">
+              <a:shade val="15000"/>
+            </a:schemeClr>
+          </a:lnRef>
+          <a:fillRef idx="1">
+            <a:schemeClr val="accent1"/>
+          </a:fillRef>
+          <a:effectRef idx="0">
+            <a:schemeClr val="accent1"/>
+          </a:effectRef>
+          <a:fontRef idx="minor">
+            <a:schemeClr val="lt1"/>
+          </a:fontRef>
+        </p:style>
+        <p:txBody>
+          <a:bodyPr rtlCol="0" anchor="ctr"/>
+          <a:lstStyle/>
+          <a:p>
+            <a:pPr algn="ctr"/>
+            <a:r>
+              <a:rPr lang="en-US" altLang="ko-KR" sz="1050" dirty="0">
+                <a:solidFill>
+                  <a:schemeClr val="tx1"/>
+                </a:solidFill>
+              </a:rPr>
+              <a:t>1</a:t>
+            </a:r>
+            <a:endParaRPr lang="ko-KR" altLang="en-US" sz="1050" dirty="0">
+              <a:solidFill>
+                <a:schemeClr val="tx1"/>
+              </a:solidFill>
+            </a:endParaRPr>
+          </a:p>
+        </p:txBody>
+      </p:sp>
+      <p:sp>
+        <p:nvSpPr>
+          <p:cNvPr id="10" name="순서도: 수행의 시작/종료 9">
+            <a:extLst>
+              <a:ext uri="{FF2B5EF4-FFF2-40B4-BE49-F238E27FC236}">
+                <a16:creationId xmlns:a16="http://schemas.microsoft.com/office/drawing/2014/main" id="{23C0E56B-DB9C-98E5-A50E-E3477700FD40}"/>
+              </a:ext>
+            </a:extLst>
+          </p:cNvPr>
+          <p:cNvSpPr/>
+          <p:nvPr/>
+        </p:nvSpPr>
+        <p:spPr>
+          <a:xfrm>
+            <a:off x="3203848" y="2493269"/>
+            <a:ext cx="560881" cy="143644"/>
+          </a:xfrm>
+          <a:prstGeom prst="flowChartTerminator">
+            <a:avLst/>
+          </a:prstGeom>
+          <a:solidFill>
+            <a:schemeClr val="bg2">
+              <a:lumMod val="25000"/>
+            </a:schemeClr>
+          </a:solidFill>
+          <a:ln>
+            <a:solidFill>
+              <a:schemeClr val="accent6"/>
+            </a:solidFill>
+          </a:ln>
+        </p:spPr>
+        <p:style>
+          <a:lnRef idx="2">
+            <a:schemeClr val="accent1">
+              <a:shade val="15000"/>
+            </a:schemeClr>
+          </a:lnRef>
+          <a:fillRef idx="1">
+            <a:schemeClr val="accent1"/>
+          </a:fillRef>
+          <a:effectRef idx="0">
+            <a:schemeClr val="accent1"/>
+          </a:effectRef>
+          <a:fontRef idx="minor">
+            <a:schemeClr val="lt1"/>
+          </a:fontRef>
+        </p:style>
+        <p:txBody>
+          <a:bodyPr rtlCol="0" anchor="ctr"/>
+          <a:lstStyle/>
+          <a:p>
+            <a:pPr algn="ctr"/>
+            <a:r>
+              <a:rPr lang="ko-KR" altLang="en-US" sz="800" b="1"/>
+              <a:t>영웅</a:t>
+            </a:r>
+            <a:endParaRPr lang="en-US" altLang="ko-KR" sz="800" b="1" dirty="0"/>
+          </a:p>
+        </p:txBody>
+      </p:sp>
+    </p:spTree>
+    <p:extLst>
+      <p:ext uri="{BB962C8B-B14F-4D97-AF65-F5344CB8AC3E}">
+        <p14:creationId xmlns:p14="http://schemas.microsoft.com/office/powerpoint/2010/main" val="1260391830"/>
+      </p:ext>
+    </p:extLst>
+  </p:cSld>
+  <p:clrMapOvr>
+    <a:masterClrMapping/>
+  </p:clrMapOvr>
+</p:sld>
+</file>
+
+<file path=ppt/slides/slide13.xml><?xml version="1.0" encoding="utf-8"?>
+<p:sld xmlns:a="http://schemas.openxmlformats.org/drawingml/2006/main" xmlns:r="http://schemas.openxmlformats.org/officeDocument/2006/relationships" xmlns:p="http://schemas.openxmlformats.org/presentationml/2006/main">
+  <p:cSld>
+    <p:spTree>
+      <p:nvGrpSpPr>
+        <p:cNvPr id="1" name=""/>
+        <p:cNvGrpSpPr/>
+        <p:nvPr/>
+      </p:nvGrpSpPr>
+      <p:grpSpPr>
+        <a:xfrm>
+          <a:off x="0" y="0"/>
+          <a:ext cx="0" cy="0"/>
+          <a:chOff x="0" y="0"/>
+          <a:chExt cx="0" cy="0"/>
+        </a:xfrm>
+      </p:grpSpPr>
+      <p:sp>
+        <p:nvSpPr>
+          <p:cNvPr id="20" name="Rectangle 5"/>
+          <p:cNvSpPr>
+            <a:spLocks noChangeArrowheads="1"/>
+          </p:cNvSpPr>
+          <p:nvPr/>
+        </p:nvSpPr>
+        <p:spPr bwMode="auto">
+          <a:xfrm>
+            <a:off x="250841" y="1092900"/>
+            <a:ext cx="8893175" cy="73025"/>
+          </a:xfrm>
+          <a:prstGeom prst="rect">
+            <a:avLst/>
+          </a:prstGeom>
+          <a:solidFill>
+            <a:srgbClr val="002060">
+              <a:alpha val="79999"/>
+            </a:srgbClr>
+          </a:solidFill>
+          <a:ln w="9525">
+            <a:noFill/>
+            <a:miter lim="800000"/>
+            <a:headEnd/>
+            <a:tailEnd/>
+          </a:ln>
+        </p:spPr>
+        <p:txBody>
+          <a:bodyPr wrap="none" anchor="ctr"/>
+          <a:lstStyle>
+            <a:defPPr>
+              <a:defRPr lang="ko-KR"/>
+            </a:defPPr>
+            <a:lvl1pPr marL="0" algn="l" defTabSz="914400" rtl="0" eaLnBrk="1" latinLnBrk="1" hangingPunct="1">
+              <a:defRPr sz="1800" kern="1200">
+                <a:solidFill>
+                  <a:schemeClr val="tx1"/>
+                </a:solidFill>
+                <a:latin typeface="+mn-lt"/>
+                <a:ea typeface="+mn-ea"/>
+                <a:cs typeface="+mn-cs"/>
+              </a:defRPr>
+            </a:lvl1pPr>
+            <a:lvl2pPr marL="457200" algn="l" defTabSz="914400" rtl="0" eaLnBrk="1" latinLnBrk="1" hangingPunct="1">
+              <a:defRPr sz="1800" kern="1200">
+                <a:solidFill>
+                  <a:schemeClr val="tx1"/>
+                </a:solidFill>
+                <a:latin typeface="+mn-lt"/>
+                <a:ea typeface="+mn-ea"/>
+                <a:cs typeface="+mn-cs"/>
+              </a:defRPr>
+            </a:lvl2pPr>
+            <a:lvl3pPr marL="914400" algn="l" defTabSz="914400" rtl="0" eaLnBrk="1" latinLnBrk="1" hangingPunct="1">
+              <a:defRPr sz="1800" kern="1200">
+                <a:solidFill>
+                  <a:schemeClr val="tx1"/>
+                </a:solidFill>
+                <a:latin typeface="+mn-lt"/>
+                <a:ea typeface="+mn-ea"/>
+                <a:cs typeface="+mn-cs"/>
+              </a:defRPr>
+            </a:lvl3pPr>
+            <a:lvl4pPr marL="1371600" algn="l" defTabSz="914400" rtl="0" eaLnBrk="1" latinLnBrk="1" hangingPunct="1">
+              <a:defRPr sz="1800" kern="1200">
+                <a:solidFill>
+                  <a:schemeClr val="tx1"/>
+                </a:solidFill>
+                <a:latin typeface="+mn-lt"/>
+                <a:ea typeface="+mn-ea"/>
+                <a:cs typeface="+mn-cs"/>
+              </a:defRPr>
+            </a:lvl4pPr>
+            <a:lvl5pPr marL="1828800" algn="l" defTabSz="914400" rtl="0" eaLnBrk="1" latinLnBrk="1" hangingPunct="1">
+              <a:defRPr sz="1800" kern="1200">
+                <a:solidFill>
+                  <a:schemeClr val="tx1"/>
+                </a:solidFill>
+                <a:latin typeface="+mn-lt"/>
+                <a:ea typeface="+mn-ea"/>
+                <a:cs typeface="+mn-cs"/>
+              </a:defRPr>
+            </a:lvl5pPr>
+            <a:lvl6pPr marL="2286000" algn="l" defTabSz="914400" rtl="0" eaLnBrk="1" latinLnBrk="1" hangingPunct="1">
+              <a:defRPr sz="1800" kern="1200">
+                <a:solidFill>
+                  <a:schemeClr val="tx1"/>
+                </a:solidFill>
+                <a:latin typeface="+mn-lt"/>
+                <a:ea typeface="+mn-ea"/>
+                <a:cs typeface="+mn-cs"/>
+              </a:defRPr>
+            </a:lvl6pPr>
+            <a:lvl7pPr marL="2743200" algn="l" defTabSz="914400" rtl="0" eaLnBrk="1" latinLnBrk="1" hangingPunct="1">
+              <a:defRPr sz="1800" kern="1200">
+                <a:solidFill>
+                  <a:schemeClr val="tx1"/>
+                </a:solidFill>
+                <a:latin typeface="+mn-lt"/>
+                <a:ea typeface="+mn-ea"/>
+                <a:cs typeface="+mn-cs"/>
+              </a:defRPr>
+            </a:lvl7pPr>
+            <a:lvl8pPr marL="3200400" algn="l" defTabSz="914400" rtl="0" eaLnBrk="1" latinLnBrk="1" hangingPunct="1">
+              <a:defRPr sz="1800" kern="1200">
+                <a:solidFill>
+                  <a:schemeClr val="tx1"/>
+                </a:solidFill>
+                <a:latin typeface="+mn-lt"/>
+                <a:ea typeface="+mn-ea"/>
+                <a:cs typeface="+mn-cs"/>
+              </a:defRPr>
+            </a:lvl8pPr>
+            <a:lvl9pPr marL="3657600" algn="l" defTabSz="914400" rtl="0" eaLnBrk="1" latinLnBrk="1" hangingPunct="1">
+              <a:defRPr sz="1800" kern="1200">
+                <a:solidFill>
+                  <a:schemeClr val="tx1"/>
+                </a:solidFill>
+                <a:latin typeface="+mn-lt"/>
+                <a:ea typeface="+mn-ea"/>
+                <a:cs typeface="+mn-cs"/>
+              </a:defRPr>
+            </a:lvl9pPr>
+          </a:lstStyle>
+          <a:p>
+            <a:endParaRPr kumimoji="0" lang="ko-KR" altLang="en-US">
+              <a:latin typeface="맑은 고딕" pitchFamily="50" charset="-127"/>
+              <a:ea typeface="맑은 고딕" pitchFamily="50" charset="-127"/>
+            </a:endParaRPr>
+          </a:p>
+        </p:txBody>
+      </p:sp>
+      <p:sp>
+        <p:nvSpPr>
+          <p:cNvPr id="21" name="Rectangle 5"/>
+          <p:cNvSpPr>
+            <a:spLocks noChangeArrowheads="1"/>
+          </p:cNvSpPr>
+          <p:nvPr/>
+        </p:nvSpPr>
+        <p:spPr bwMode="auto">
+          <a:xfrm>
+            <a:off x="0" y="5956719"/>
+            <a:ext cx="8893175" cy="73025"/>
+          </a:xfrm>
+          <a:prstGeom prst="rect">
+            <a:avLst/>
+          </a:prstGeom>
+          <a:solidFill>
+            <a:srgbClr val="002060">
+              <a:alpha val="79999"/>
+            </a:srgbClr>
+          </a:solidFill>
+          <a:ln w="9525">
+            <a:noFill/>
+            <a:miter lim="800000"/>
+            <a:headEnd/>
+            <a:tailEnd/>
+          </a:ln>
+        </p:spPr>
+        <p:txBody>
+          <a:bodyPr wrap="none" anchor="ctr"/>
+          <a:lstStyle>
+            <a:defPPr>
+              <a:defRPr lang="ko-KR"/>
+            </a:defPPr>
+            <a:lvl1pPr marL="0" algn="l" defTabSz="914400" rtl="0" eaLnBrk="1" latinLnBrk="1" hangingPunct="1">
+              <a:defRPr sz="1800" kern="1200">
+                <a:solidFill>
+                  <a:schemeClr val="tx1"/>
+                </a:solidFill>
+                <a:latin typeface="+mn-lt"/>
+                <a:ea typeface="+mn-ea"/>
+                <a:cs typeface="+mn-cs"/>
+              </a:defRPr>
+            </a:lvl1pPr>
+            <a:lvl2pPr marL="457200" algn="l" defTabSz="914400" rtl="0" eaLnBrk="1" latinLnBrk="1" hangingPunct="1">
+              <a:defRPr sz="1800" kern="1200">
+                <a:solidFill>
+                  <a:schemeClr val="tx1"/>
+                </a:solidFill>
+                <a:latin typeface="+mn-lt"/>
+                <a:ea typeface="+mn-ea"/>
+                <a:cs typeface="+mn-cs"/>
+              </a:defRPr>
+            </a:lvl2pPr>
+            <a:lvl3pPr marL="914400" algn="l" defTabSz="914400" rtl="0" eaLnBrk="1" latinLnBrk="1" hangingPunct="1">
+              <a:defRPr sz="1800" kern="1200">
+                <a:solidFill>
+                  <a:schemeClr val="tx1"/>
+                </a:solidFill>
+                <a:latin typeface="+mn-lt"/>
+                <a:ea typeface="+mn-ea"/>
+                <a:cs typeface="+mn-cs"/>
+              </a:defRPr>
+            </a:lvl3pPr>
+            <a:lvl4pPr marL="1371600" algn="l" defTabSz="914400" rtl="0" eaLnBrk="1" latinLnBrk="1" hangingPunct="1">
+              <a:defRPr sz="1800" kern="1200">
+                <a:solidFill>
+                  <a:schemeClr val="tx1"/>
+                </a:solidFill>
+                <a:latin typeface="+mn-lt"/>
+                <a:ea typeface="+mn-ea"/>
+                <a:cs typeface="+mn-cs"/>
+              </a:defRPr>
+            </a:lvl4pPr>
+            <a:lvl5pPr marL="1828800" algn="l" defTabSz="914400" rtl="0" eaLnBrk="1" latinLnBrk="1" hangingPunct="1">
+              <a:defRPr sz="1800" kern="1200">
+                <a:solidFill>
+                  <a:schemeClr val="tx1"/>
+                </a:solidFill>
+                <a:latin typeface="+mn-lt"/>
+                <a:ea typeface="+mn-ea"/>
+                <a:cs typeface="+mn-cs"/>
+              </a:defRPr>
+            </a:lvl5pPr>
+            <a:lvl6pPr marL="2286000" algn="l" defTabSz="914400" rtl="0" eaLnBrk="1" latinLnBrk="1" hangingPunct="1">
+              <a:defRPr sz="1800" kern="1200">
+                <a:solidFill>
+                  <a:schemeClr val="tx1"/>
+                </a:solidFill>
+                <a:latin typeface="+mn-lt"/>
+                <a:ea typeface="+mn-ea"/>
+                <a:cs typeface="+mn-cs"/>
+              </a:defRPr>
+            </a:lvl6pPr>
+            <a:lvl7pPr marL="2743200" algn="l" defTabSz="914400" rtl="0" eaLnBrk="1" latinLnBrk="1" hangingPunct="1">
+              <a:defRPr sz="1800" kern="1200">
+                <a:solidFill>
+                  <a:schemeClr val="tx1"/>
+                </a:solidFill>
+                <a:latin typeface="+mn-lt"/>
+                <a:ea typeface="+mn-ea"/>
+                <a:cs typeface="+mn-cs"/>
+              </a:defRPr>
+            </a:lvl7pPr>
+            <a:lvl8pPr marL="3200400" algn="l" defTabSz="914400" rtl="0" eaLnBrk="1" latinLnBrk="1" hangingPunct="1">
+              <a:defRPr sz="1800" kern="1200">
+                <a:solidFill>
+                  <a:schemeClr val="tx1"/>
+                </a:solidFill>
+                <a:latin typeface="+mn-lt"/>
+                <a:ea typeface="+mn-ea"/>
+                <a:cs typeface="+mn-cs"/>
+              </a:defRPr>
+            </a:lvl8pPr>
+            <a:lvl9pPr marL="3657600" algn="l" defTabSz="914400" rtl="0" eaLnBrk="1" latinLnBrk="1" hangingPunct="1">
+              <a:defRPr sz="1800" kern="1200">
+                <a:solidFill>
+                  <a:schemeClr val="tx1"/>
+                </a:solidFill>
+                <a:latin typeface="+mn-lt"/>
+                <a:ea typeface="+mn-ea"/>
+                <a:cs typeface="+mn-cs"/>
+              </a:defRPr>
+            </a:lvl9pPr>
+          </a:lstStyle>
+          <a:p>
+            <a:endParaRPr kumimoji="0" lang="ko-KR" altLang="en-US">
+              <a:latin typeface="맑은 고딕" pitchFamily="50" charset="-127"/>
+              <a:ea typeface="맑은 고딕" pitchFamily="50" charset="-127"/>
+            </a:endParaRPr>
+          </a:p>
+        </p:txBody>
+      </p:sp>
+      <p:pic>
+        <p:nvPicPr>
+          <p:cNvPr id="22" name="Picture 2" descr="D:\work\etc\작업 파일\작업활용이미지\주의사항-박스.gif"/>
+          <p:cNvPicPr>
+            <a:picLocks noChangeAspect="1" noChangeArrowheads="1"/>
+          </p:cNvPicPr>
+          <p:nvPr/>
+        </p:nvPicPr>
+        <p:blipFill>
+          <a:blip r:embed="rId2"/>
+          <a:srcRect/>
+          <a:stretch>
+            <a:fillRect/>
+          </a:stretch>
+        </p:blipFill>
+        <p:spPr bwMode="auto">
+          <a:xfrm>
+            <a:off x="53650" y="6091261"/>
+            <a:ext cx="1013460" cy="486727"/>
+          </a:xfrm>
+          <a:prstGeom prst="rect">
+            <a:avLst/>
+          </a:prstGeom>
+          <a:noFill/>
+        </p:spPr>
+      </p:pic>
+      <p:pic>
+        <p:nvPicPr>
+          <p:cNvPr id="24" name="Picture 3" descr="D:\work\etc\작업 파일\작업활용이미지\그래픽-리소스요청.gif"/>
+          <p:cNvPicPr>
+            <a:picLocks noChangeAspect="1" noChangeArrowheads="1"/>
+          </p:cNvPicPr>
+          <p:nvPr/>
+        </p:nvPicPr>
+        <p:blipFill>
+          <a:blip r:embed="rId3"/>
+          <a:srcRect/>
+          <a:stretch>
+            <a:fillRect/>
+          </a:stretch>
+        </p:blipFill>
+        <p:spPr bwMode="auto">
+          <a:xfrm>
+            <a:off x="4624398" y="6091261"/>
+            <a:ext cx="1013460" cy="486727"/>
+          </a:xfrm>
+          <a:prstGeom prst="rect">
+            <a:avLst/>
+          </a:prstGeom>
+          <a:noFill/>
+        </p:spPr>
+      </p:pic>
+      <p:pic>
+        <p:nvPicPr>
+          <p:cNvPr id="25" name="Picture 9" descr="D:\work\etc\작업 파일\작업활용이미지\긴박스200x480.gif"/>
+          <p:cNvPicPr>
+            <a:picLocks noChangeAspect="1" noChangeArrowheads="1"/>
+          </p:cNvPicPr>
+          <p:nvPr/>
+        </p:nvPicPr>
+        <p:blipFill>
+          <a:blip r:embed="rId4"/>
+          <a:srcRect/>
+          <a:stretch>
+            <a:fillRect/>
+          </a:stretch>
+        </p:blipFill>
+        <p:spPr bwMode="auto">
+          <a:xfrm>
+            <a:off x="6499355" y="1209163"/>
+            <a:ext cx="2500358" cy="4572000"/>
+          </a:xfrm>
+          <a:prstGeom prst="rect">
+            <a:avLst/>
+          </a:prstGeom>
+          <a:noFill/>
+        </p:spPr>
+      </p:pic>
+      <p:pic>
+        <p:nvPicPr>
+          <p:cNvPr id="26" name="Picture 2" descr="D:\work\etc\작업 파일\작업활용이미지\상단바.gif"/>
+          <p:cNvPicPr>
+            <a:picLocks noChangeAspect="1" noChangeArrowheads="1"/>
+          </p:cNvPicPr>
+          <p:nvPr/>
+        </p:nvPicPr>
+        <p:blipFill>
+          <a:blip r:embed="rId5"/>
+          <a:srcRect/>
+          <a:stretch>
+            <a:fillRect/>
+          </a:stretch>
+        </p:blipFill>
+        <p:spPr bwMode="auto">
+          <a:xfrm>
+            <a:off x="0" y="26659"/>
+            <a:ext cx="9144000" cy="704850"/>
+          </a:xfrm>
+          <a:prstGeom prst="rect">
+            <a:avLst/>
+          </a:prstGeom>
+          <a:noFill/>
+        </p:spPr>
+      </p:pic>
+      <p:sp>
+        <p:nvSpPr>
+          <p:cNvPr id="27" name="TextBox 26"/>
+          <p:cNvSpPr txBox="1"/>
+          <p:nvPr/>
+        </p:nvSpPr>
+        <p:spPr>
+          <a:xfrm>
+            <a:off x="7894074" y="164257"/>
+            <a:ext cx="1035027" cy="246221"/>
+          </a:xfrm>
+          <a:prstGeom prst="rect">
+            <a:avLst/>
+          </a:prstGeom>
+          <a:noFill/>
+        </p:spPr>
+        <p:txBody>
+          <a:bodyPr wrap="square" rtlCol="0">
+            <a:spAutoFit/>
+          </a:bodyPr>
+          <a:lstStyle/>
+          <a:p>
+            <a:pPr marL="0" marR="0" indent="0" algn="l" defTabSz="914400" rtl="0" eaLnBrk="1" fontAlgn="auto" latinLnBrk="1" hangingPunct="1">
+              <a:lnSpc>
+                <a:spcPct val="100000"/>
+              </a:lnSpc>
+              <a:spcBef>
+                <a:spcPts val="0"/>
+              </a:spcBef>
+              <a:spcAft>
+                <a:spcPts val="0"/>
+              </a:spcAft>
+              <a:buClrTx/>
+              <a:buSzTx/>
+              <a:buFontTx/>
+              <a:buNone/>
+              <a:tabLst/>
+              <a:defRPr/>
+            </a:pPr>
+            <a:r>
+              <a:rPr lang="en-US" altLang="ko-KR" sz="1000" b="0" dirty="0">
+                <a:solidFill>
+                  <a:schemeClr val="tx1">
+                    <a:lumMod val="75000"/>
+                    <a:lumOff val="25000"/>
+                  </a:schemeClr>
+                </a:solidFill>
+                <a:latin typeface="+mj-lt"/>
+              </a:rPr>
+              <a:t>13</a:t>
             </a:r>
             <a:endParaRPr lang="ko-KR" altLang="en-US" sz="1000" b="0" dirty="0">
               <a:solidFill>
@@ -7358,7 +8871,7 @@
 </p:sld>
 </file>
 
-<file path=ppt/slides/slide13.xml><?xml version="1.0" encoding="utf-8"?>
+<file path=ppt/slides/slide14.xml><?xml version="1.0" encoding="utf-8"?>
 <p:sld xmlns:a="http://schemas.openxmlformats.org/drawingml/2006/main" xmlns:r="http://schemas.openxmlformats.org/officeDocument/2006/relationships" xmlns:p="http://schemas.openxmlformats.org/presentationml/2006/main">
   <p:cSld>
     <p:spTree>
@@ -7794,7 +9307,7 @@
                 </a:solidFill>
                 <a:latin typeface="+mj-lt"/>
               </a:rPr>
-              <a:t>3</a:t>
+              <a:t>14</a:t>
             </a:r>
             <a:endParaRPr lang="ko-KR" altLang="en-US" sz="1000" b="0" dirty="0">
               <a:solidFill>
@@ -13967,7 +15480,7 @@
                 </a:solidFill>
                 <a:latin typeface="+mj-lt"/>
               </a:rPr>
-              <a:t>3</a:t>
+              <a:t>4</a:t>
             </a:r>
             <a:endParaRPr lang="ko-KR" altLang="en-US" sz="1000" b="0" dirty="0">
               <a:solidFill>
@@ -15993,7 +17506,7 @@
                 </a:solidFill>
                 <a:latin typeface="+mj-lt"/>
               </a:rPr>
-              <a:t>3</a:t>
+              <a:t>5</a:t>
             </a:r>
             <a:endParaRPr lang="ko-KR" altLang="en-US" sz="1000" b="0" dirty="0">
               <a:solidFill>
@@ -17993,7 +19506,7 @@
                 </a:solidFill>
                 <a:latin typeface="+mj-lt"/>
               </a:rPr>
-              <a:t>3</a:t>
+              <a:t>6</a:t>
             </a:r>
             <a:endParaRPr lang="ko-KR" altLang="en-US" sz="1000" b="0" dirty="0">
               <a:solidFill>
@@ -19858,7 +21371,7 @@
               <a:defRPr/>
             </a:pPr>
             <a:r>
-              <a:rPr lang="en-US" altLang="ko-KR" sz="1000" b="0" dirty="0">
+              <a:rPr lang="en-US" altLang="ko-KR" sz="1000" dirty="0">
                 <a:solidFill>
                   <a:schemeClr val="tx1">
                     <a:lumMod val="75000"/>
@@ -19867,7 +21380,7 @@
                 </a:solidFill>
                 <a:latin typeface="+mj-lt"/>
               </a:rPr>
-              <a:t>3</a:t>
+              <a:t>7</a:t>
             </a:r>
             <a:endParaRPr lang="ko-KR" altLang="en-US" sz="1000" b="0" dirty="0">
               <a:solidFill>
@@ -22471,7 +23984,7 @@
                 </a:solidFill>
                 <a:latin typeface="+mj-lt"/>
               </a:rPr>
-              <a:t>3</a:t>
+              <a:t>8</a:t>
             </a:r>
             <a:endParaRPr lang="ko-KR" altLang="en-US" sz="1000" b="0" dirty="0">
               <a:solidFill>
@@ -25122,7 +26635,7 @@
                 </a:solidFill>
                 <a:latin typeface="+mj-lt"/>
               </a:rPr>
-              <a:t>3</a:t>
+              <a:t>9</a:t>
             </a:r>
             <a:endParaRPr lang="ko-KR" altLang="en-US" sz="1000" b="0" dirty="0">
               <a:solidFill>
